--- a/docs/MT23AAI018_Saurabh_Sharma_NLP_mini_project.pptx
+++ b/docs/MT23AAI018_Saurabh_Sharma_NLP_mini_project.pptx
@@ -3185,7 +3185,7 @@
         </p:spPr>
         <p:txBody>
           <a:bodyPr>
-            <a:normAutofit lnSpcReduction="10000"/>
+            <a:normAutofit fontScale="92500" lnSpcReduction="10000"/>
           </a:bodyPr>
           <a:lstStyle/>
           <a:p>
@@ -3285,12 +3285,31 @@
           <a:p>
             <a:pPr algn="l"/>
             <a:r>
+              <a:rPr lang="en-IN" sz="2100">
+                <a:solidFill>
+                  <a:schemeClr val="bg1"/>
+                </a:solidFill>
+              </a:rPr>
+              <a:t>Saurabh Sharma   </a:t>
+            </a:r>
+            <a:r>
               <a:rPr lang="en-IN" sz="2100" dirty="0">
                 <a:solidFill>
                   <a:schemeClr val="bg1"/>
                 </a:solidFill>
               </a:rPr>
-              <a:t>Saurabh Sharma – MT23AAI018 </a:t>
+              <a:t>– MT23AAI018 </a:t>
+            </a:r>
+          </a:p>
+          <a:p>
+            <a:pPr algn="l"/>
+            <a:r>
+              <a:rPr lang="en-IN" sz="2100" dirty="0">
+                <a:solidFill>
+                  <a:schemeClr val="bg1"/>
+                </a:solidFill>
+              </a:rPr>
+              <a:t>Sadashiv Nayak A – MT23AAI039</a:t>
             </a:r>
             <a:endParaRPr sz="2100" dirty="0">
               <a:solidFill>

--- a/docs/MT23AAI018_Saurabh_Sharma_NLP_mini_project.pptx
+++ b/docs/MT23AAI018_Saurabh_Sharma_NLP_mini_project.pptx
@@ -18,18 +18,6 @@
     <p:sldId id="278" r:id="rId12"/>
     <p:sldId id="263" r:id="rId13"/>
     <p:sldId id="261" r:id="rId14"/>
-    <p:sldId id="265" r:id="rId15"/>
-    <p:sldId id="282" r:id="rId16"/>
-    <p:sldId id="283" r:id="rId17"/>
-    <p:sldId id="284" r:id="rId18"/>
-    <p:sldId id="285" r:id="rId19"/>
-    <p:sldId id="286" r:id="rId20"/>
-    <p:sldId id="287" r:id="rId21"/>
-    <p:sldId id="297" r:id="rId22"/>
-    <p:sldId id="290" r:id="rId23"/>
-    <p:sldId id="291" r:id="rId24"/>
-    <p:sldId id="289" r:id="rId25"/>
-    <p:sldId id="280" r:id="rId26"/>
   </p:sldIdLst>
   <p:sldSz cx="9144000" cy="6858000" type="screen4x3"/>
   <p:notesSz cx="6858000" cy="9144000"/>
@@ -5309,2779 +5297,6 @@
 </p:sld>
 </file>
 
-<file path=ppt/slides/slide14.xml><?xml version="1.0" encoding="utf-8"?>
-<p:sld xmlns:a="http://schemas.openxmlformats.org/drawingml/2006/main" xmlns:r="http://schemas.openxmlformats.org/officeDocument/2006/relationships" xmlns:p="http://schemas.openxmlformats.org/presentationml/2006/main">
-  <p:cSld>
-    <p:bg>
-      <p:bgPr>
-        <a:gradFill rotWithShape="1">
-          <a:gsLst>
-            <a:gs pos="0">
-              <a:srgbClr val="003366"/>
-            </a:gs>
-            <a:gs pos="100000">
-              <a:srgbClr val="0099FF"/>
-            </a:gs>
-          </a:gsLst>
-          <a:lin scaled="0"/>
-        </a:gradFill>
-        <a:effectLst/>
-      </p:bgPr>
-    </p:bg>
-    <p:spTree>
-      <p:nvGrpSpPr>
-        <p:cNvPr id="1" name="">
-          <a:extLst>
-            <a:ext uri="{FF2B5EF4-FFF2-40B4-BE49-F238E27FC236}">
-              <a16:creationId xmlns:a16="http://schemas.microsoft.com/office/drawing/2014/main" id="{F9F9B6FD-A740-AE69-00E9-38844A0FF229}"/>
-            </a:ext>
-          </a:extLst>
-        </p:cNvPr>
-        <p:cNvGrpSpPr/>
-        <p:nvPr/>
-      </p:nvGrpSpPr>
-      <p:grpSpPr>
-        <a:xfrm>
-          <a:off x="0" y="0"/>
-          <a:ext cx="0" cy="0"/>
-          <a:chOff x="0" y="0"/>
-          <a:chExt cx="0" cy="0"/>
-        </a:xfrm>
-      </p:grpSpPr>
-      <p:sp>
-        <p:nvSpPr>
-          <p:cNvPr id="2" name="Title 1">
-            <a:extLst>
-              <a:ext uri="{FF2B5EF4-FFF2-40B4-BE49-F238E27FC236}">
-                <a16:creationId xmlns:a16="http://schemas.microsoft.com/office/drawing/2014/main" id="{5AE9F607-390B-1815-F7DE-E56F3F4B9704}"/>
-              </a:ext>
-            </a:extLst>
-          </p:cNvPr>
-          <p:cNvSpPr>
-            <a:spLocks noGrp="1"/>
-          </p:cNvSpPr>
-          <p:nvPr>
-            <p:ph type="title"/>
-          </p:nvPr>
-        </p:nvSpPr>
-        <p:spPr/>
-        <p:txBody>
-          <a:bodyPr/>
-          <a:lstStyle/>
-          <a:p>
-            <a:pPr>
-              <a:defRPr sz="3000">
-                <a:solidFill>
-                  <a:srgbClr val="FFDF00"/>
-                </a:solidFill>
-              </a:defRPr>
-            </a:pPr>
-            <a:r>
-              <a:rPr lang="en-IN" dirty="0"/>
-              <a:t>Preprocessing</a:t>
-            </a:r>
-            <a:endParaRPr dirty="0"/>
-          </a:p>
-        </p:txBody>
-      </p:sp>
-      <p:sp>
-        <p:nvSpPr>
-          <p:cNvPr id="3" name="Rectangle 2">
-            <a:extLst>
-              <a:ext uri="{FF2B5EF4-FFF2-40B4-BE49-F238E27FC236}">
-                <a16:creationId xmlns:a16="http://schemas.microsoft.com/office/drawing/2014/main" id="{95A458C9-8608-2C12-8AFA-858DD71BE966}"/>
-              </a:ext>
-            </a:extLst>
-          </p:cNvPr>
-          <p:cNvSpPr/>
-          <p:nvPr/>
-        </p:nvSpPr>
-        <p:spPr>
-          <a:xfrm>
-            <a:off x="457200" y="1371600"/>
-            <a:ext cx="8229600" cy="4114800"/>
-          </a:xfrm>
-          <a:prstGeom prst="rect">
-            <a:avLst/>
-          </a:prstGeom>
-          <a:solidFill>
-            <a:srgbClr val="FFFFFF"/>
-          </a:solidFill>
-        </p:spPr>
-        <p:style>
-          <a:lnRef idx="1">
-            <a:schemeClr val="accent1"/>
-          </a:lnRef>
-          <a:fillRef idx="3">
-            <a:schemeClr val="accent1"/>
-          </a:fillRef>
-          <a:effectRef idx="2">
-            <a:schemeClr val="accent1"/>
-          </a:effectRef>
-          <a:fontRef idx="minor">
-            <a:schemeClr val="lt1"/>
-          </a:fontRef>
-        </p:style>
-        <p:txBody>
-          <a:bodyPr rtlCol="0" anchor="ctr"/>
-          <a:lstStyle/>
-          <a:p>
-            <a:pPr algn="ctr"/>
-            <a:endParaRPr dirty="0"/>
-          </a:p>
-        </p:txBody>
-      </p:sp>
-      <p:sp>
-        <p:nvSpPr>
-          <p:cNvPr id="5" name="TextBox 4">
-            <a:extLst>
-              <a:ext uri="{FF2B5EF4-FFF2-40B4-BE49-F238E27FC236}">
-                <a16:creationId xmlns:a16="http://schemas.microsoft.com/office/drawing/2014/main" id="{7F00FE09-0FD8-7C4C-1142-14D0423F3452}"/>
-              </a:ext>
-            </a:extLst>
-          </p:cNvPr>
-          <p:cNvSpPr txBox="1"/>
-          <p:nvPr/>
-        </p:nvSpPr>
-        <p:spPr>
-          <a:xfrm>
-            <a:off x="457200" y="6400800"/>
-            <a:ext cx="8229600" cy="274320"/>
-          </a:xfrm>
-          <a:prstGeom prst="rect">
-            <a:avLst/>
-          </a:prstGeom>
-          <a:noFill/>
-        </p:spPr>
-        <p:txBody>
-          <a:bodyPr wrap="none">
-            <a:spAutoFit/>
-          </a:bodyPr>
-          <a:lstStyle/>
-          <a:p>
-            <a:pPr algn="ctr">
-              <a:defRPr sz="1400">
-                <a:solidFill>
-                  <a:srgbClr val="FFDF00"/>
-                </a:solidFill>
-              </a:defRPr>
-            </a:pPr>
-            <a:r>
-              <a:t>Visvesvaraya National Institute of Technology (VNIT), Nagpur</a:t>
-            </a:r>
-          </a:p>
-        </p:txBody>
-      </p:sp>
-      <p:sp>
-        <p:nvSpPr>
-          <p:cNvPr id="6" name="Rectangle 5">
-            <a:extLst>
-              <a:ext uri="{FF2B5EF4-FFF2-40B4-BE49-F238E27FC236}">
-                <a16:creationId xmlns:a16="http://schemas.microsoft.com/office/drawing/2014/main" id="{46562DD2-93B3-EEF1-BB42-879F8C284051}"/>
-              </a:ext>
-            </a:extLst>
-          </p:cNvPr>
-          <p:cNvSpPr/>
-          <p:nvPr/>
-        </p:nvSpPr>
-        <p:spPr>
-          <a:xfrm>
-            <a:off x="0" y="0"/>
-            <a:ext cx="9144000" cy="457200"/>
-          </a:xfrm>
-          <a:prstGeom prst="rect">
-            <a:avLst/>
-          </a:prstGeom>
-          <a:solidFill>
-            <a:srgbClr val="003366"/>
-          </a:solidFill>
-          <a:ln>
-            <a:solidFill>
-              <a:srgbClr val="FFDF00"/>
-            </a:solidFill>
-          </a:ln>
-        </p:spPr>
-        <p:style>
-          <a:lnRef idx="1">
-            <a:schemeClr val="accent1"/>
-          </a:lnRef>
-          <a:fillRef idx="3">
-            <a:schemeClr val="accent1"/>
-          </a:fillRef>
-          <a:effectRef idx="2">
-            <a:schemeClr val="accent1"/>
-          </a:effectRef>
-          <a:fontRef idx="minor">
-            <a:schemeClr val="lt1"/>
-          </a:fontRef>
-        </p:style>
-        <p:txBody>
-          <a:bodyPr rtlCol="0" anchor="ctr"/>
-          <a:lstStyle/>
-          <a:p>
-            <a:pPr algn="ctr"/>
-            <a:endParaRPr/>
-          </a:p>
-        </p:txBody>
-      </p:sp>
-      <p:sp>
-        <p:nvSpPr>
-          <p:cNvPr id="7" name="TextBox 6">
-            <a:extLst>
-              <a:ext uri="{FF2B5EF4-FFF2-40B4-BE49-F238E27FC236}">
-                <a16:creationId xmlns:a16="http://schemas.microsoft.com/office/drawing/2014/main" id="{C1481286-8EC8-4088-B8FB-7CAF2E4E0EE5}"/>
-              </a:ext>
-            </a:extLst>
-          </p:cNvPr>
-          <p:cNvSpPr txBox="1"/>
-          <p:nvPr/>
-        </p:nvSpPr>
-        <p:spPr>
-          <a:xfrm>
-            <a:off x="0" y="0"/>
-            <a:ext cx="9144000" cy="457200"/>
-          </a:xfrm>
-          <a:prstGeom prst="rect">
-            <a:avLst/>
-          </a:prstGeom>
-          <a:noFill/>
-        </p:spPr>
-        <p:txBody>
-          <a:bodyPr wrap="none">
-            <a:spAutoFit/>
-          </a:bodyPr>
-          <a:lstStyle/>
-          <a:p>
-            <a:pPr algn="ctr">
-              <a:defRPr sz="1400">
-                <a:solidFill>
-                  <a:srgbClr val="FFFFFF"/>
-                </a:solidFill>
-              </a:defRPr>
-            </a:pPr>
-            <a:r>
-              <a:t>Visvesvaraya National Institute of Technology (VNIT), Nagpur</a:t>
-            </a:r>
-          </a:p>
-        </p:txBody>
-      </p:sp>
-      <p:sp>
-        <p:nvSpPr>
-          <p:cNvPr id="8" name="Rectangle 7">
-            <a:extLst>
-              <a:ext uri="{FF2B5EF4-FFF2-40B4-BE49-F238E27FC236}">
-                <a16:creationId xmlns:a16="http://schemas.microsoft.com/office/drawing/2014/main" id="{D1739542-C807-95C9-1FE1-F75ECB7BB1A9}"/>
-              </a:ext>
-            </a:extLst>
-          </p:cNvPr>
-          <p:cNvSpPr/>
-          <p:nvPr/>
-        </p:nvSpPr>
-        <p:spPr>
-          <a:xfrm>
-            <a:off x="0" y="6400800"/>
-            <a:ext cx="9144000" cy="274320"/>
-          </a:xfrm>
-          <a:prstGeom prst="rect">
-            <a:avLst/>
-          </a:prstGeom>
-          <a:solidFill>
-            <a:srgbClr val="FFDF00"/>
-          </a:solidFill>
-          <a:ln>
-            <a:solidFill>
-              <a:srgbClr val="003366"/>
-            </a:solidFill>
-          </a:ln>
-        </p:spPr>
-        <p:style>
-          <a:lnRef idx="1">
-            <a:schemeClr val="accent1"/>
-          </a:lnRef>
-          <a:fillRef idx="3">
-            <a:schemeClr val="accent1"/>
-          </a:fillRef>
-          <a:effectRef idx="2">
-            <a:schemeClr val="accent1"/>
-          </a:effectRef>
-          <a:fontRef idx="minor">
-            <a:schemeClr val="lt1"/>
-          </a:fontRef>
-        </p:style>
-        <p:txBody>
-          <a:bodyPr rtlCol="0" anchor="ctr"/>
-          <a:lstStyle/>
-          <a:p>
-            <a:pPr algn="ctr"/>
-            <a:endParaRPr/>
-          </a:p>
-        </p:txBody>
-      </p:sp>
-      <p:sp>
-        <p:nvSpPr>
-          <p:cNvPr id="4" name="TextBox 3">
-            <a:extLst>
-              <a:ext uri="{FF2B5EF4-FFF2-40B4-BE49-F238E27FC236}">
-                <a16:creationId xmlns:a16="http://schemas.microsoft.com/office/drawing/2014/main" id="{1DC6DF93-B1CD-63D9-155B-36438F7CA11F}"/>
-              </a:ext>
-            </a:extLst>
-          </p:cNvPr>
-          <p:cNvSpPr txBox="1"/>
-          <p:nvPr/>
-        </p:nvSpPr>
-        <p:spPr>
-          <a:xfrm>
-            <a:off x="570271" y="1371600"/>
-            <a:ext cx="8116529" cy="4204356"/>
-          </a:xfrm>
-          <a:prstGeom prst="rect">
-            <a:avLst/>
-          </a:prstGeom>
-          <a:noFill/>
-        </p:spPr>
-        <p:txBody>
-          <a:bodyPr wrap="square" rtlCol="0">
-            <a:spAutoFit/>
-          </a:bodyPr>
-          <a:lstStyle/>
-          <a:p>
-            <a:pPr>
-              <a:lnSpc>
-                <a:spcPct val="150000"/>
-              </a:lnSpc>
-            </a:pPr>
-            <a:r>
-              <a:rPr lang="en-US" b="1" dirty="0"/>
-              <a:t>Goal: </a:t>
-            </a:r>
-            <a:r>
-              <a:rPr lang="en-US" dirty="0"/>
-              <a:t>Enhance the image to isolate the signals for analysis.</a:t>
-            </a:r>
-          </a:p>
-          <a:p>
-            <a:pPr>
-              <a:lnSpc>
-                <a:spcPct val="150000"/>
-              </a:lnSpc>
-            </a:pPr>
-            <a:r>
-              <a:rPr lang="en-US" b="1" dirty="0"/>
-              <a:t>Steps:</a:t>
-            </a:r>
-          </a:p>
-          <a:p>
-            <a:pPr marL="742950" lvl="1" indent="-285750">
-              <a:lnSpc>
-                <a:spcPct val="150000"/>
-              </a:lnSpc>
-              <a:buFont typeface="Wingdings" panose="05000000000000000000" pitchFamily="2" charset="2"/>
-              <a:buChar char="q"/>
-            </a:pPr>
-            <a:r>
-              <a:rPr lang="en-US" dirty="0"/>
-              <a:t>Convert the image to grayscale.</a:t>
-            </a:r>
-          </a:p>
-          <a:p>
-            <a:pPr marL="742950" lvl="1" indent="-285750">
-              <a:lnSpc>
-                <a:spcPct val="150000"/>
-              </a:lnSpc>
-              <a:buFont typeface="Wingdings" panose="05000000000000000000" pitchFamily="2" charset="2"/>
-              <a:buChar char="q"/>
-            </a:pPr>
-            <a:r>
-              <a:rPr lang="en-US" dirty="0"/>
-              <a:t>Apply Gaussian blur to reduce noise </a:t>
-            </a:r>
-          </a:p>
-          <a:p>
-            <a:pPr lvl="1">
-              <a:lnSpc>
-                <a:spcPct val="150000"/>
-              </a:lnSpc>
-            </a:pPr>
-            <a:r>
-              <a:rPr lang="en-US" dirty="0"/>
-              <a:t>and smooth the image.</a:t>
-            </a:r>
-          </a:p>
-          <a:p>
-            <a:pPr marL="742950" lvl="1" indent="-285750">
-              <a:lnSpc>
-                <a:spcPct val="150000"/>
-              </a:lnSpc>
-              <a:buFont typeface="Wingdings" panose="05000000000000000000" pitchFamily="2" charset="2"/>
-              <a:buChar char="q"/>
-            </a:pPr>
-            <a:r>
-              <a:rPr lang="en-US" dirty="0"/>
-              <a:t>Perform binary thresholding to separate</a:t>
-            </a:r>
-          </a:p>
-          <a:p>
-            <a:pPr lvl="1">
-              <a:lnSpc>
-                <a:spcPct val="150000"/>
-              </a:lnSpc>
-            </a:pPr>
-            <a:r>
-              <a:rPr lang="en-US" dirty="0"/>
-              <a:t>the signal from the background.</a:t>
-            </a:r>
-          </a:p>
-          <a:p>
-            <a:pPr marL="742950" lvl="1" indent="-285750">
-              <a:lnSpc>
-                <a:spcPct val="150000"/>
-              </a:lnSpc>
-              <a:buFont typeface="Wingdings" panose="05000000000000000000" pitchFamily="2" charset="2"/>
-              <a:buChar char="q"/>
-            </a:pPr>
-            <a:r>
-              <a:rPr lang="en-US" dirty="0"/>
-              <a:t>Apply morphological operations </a:t>
-            </a:r>
-          </a:p>
-          <a:p>
-            <a:pPr lvl="1">
-              <a:lnSpc>
-                <a:spcPct val="150000"/>
-              </a:lnSpc>
-            </a:pPr>
-            <a:r>
-              <a:rPr lang="en-US" dirty="0"/>
-              <a:t>to connect any broken signal lines using </a:t>
-            </a:r>
-          </a:p>
-          <a:p>
-            <a:pPr lvl="1">
-              <a:lnSpc>
-                <a:spcPct val="150000"/>
-              </a:lnSpc>
-            </a:pPr>
-            <a:r>
-              <a:rPr lang="en-US" dirty="0"/>
-              <a:t>the cv2.MORPH_CLOSE function.</a:t>
-            </a:r>
-            <a:endParaRPr lang="en-IN" dirty="0"/>
-          </a:p>
-        </p:txBody>
-      </p:sp>
-      <p:pic>
-        <p:nvPicPr>
-          <p:cNvPr id="11" name="Picture 10">
-            <a:extLst>
-              <a:ext uri="{FF2B5EF4-FFF2-40B4-BE49-F238E27FC236}">
-                <a16:creationId xmlns:a16="http://schemas.microsoft.com/office/drawing/2014/main" id="{86E28E80-8930-57EF-545B-0BF75D987A83}"/>
-              </a:ext>
-            </a:extLst>
-          </p:cNvPr>
-          <p:cNvPicPr>
-            <a:picLocks noChangeAspect="1"/>
-          </p:cNvPicPr>
-          <p:nvPr/>
-        </p:nvPicPr>
-        <p:blipFill>
-          <a:blip r:embed="rId2"/>
-          <a:stretch>
-            <a:fillRect/>
-          </a:stretch>
-        </p:blipFill>
-        <p:spPr>
-          <a:xfrm>
-            <a:off x="5142270" y="1758908"/>
-            <a:ext cx="3544529" cy="3681454"/>
-          </a:xfrm>
-          <a:prstGeom prst="rect">
-            <a:avLst/>
-          </a:prstGeom>
-        </p:spPr>
-      </p:pic>
-    </p:spTree>
-    <p:extLst>
-      <p:ext uri="{BB962C8B-B14F-4D97-AF65-F5344CB8AC3E}">
-        <p14:creationId xmlns:p14="http://schemas.microsoft.com/office/powerpoint/2010/main" val="1710325368"/>
-      </p:ext>
-    </p:extLst>
-  </p:cSld>
-  <p:clrMapOvr>
-    <a:masterClrMapping/>
-  </p:clrMapOvr>
-</p:sld>
-</file>
-
-<file path=ppt/slides/slide15.xml><?xml version="1.0" encoding="utf-8"?>
-<p:sld xmlns:a="http://schemas.openxmlformats.org/drawingml/2006/main" xmlns:r="http://schemas.openxmlformats.org/officeDocument/2006/relationships" xmlns:p="http://schemas.openxmlformats.org/presentationml/2006/main">
-  <p:cSld>
-    <p:bg>
-      <p:bgPr>
-        <a:gradFill rotWithShape="1">
-          <a:gsLst>
-            <a:gs pos="0">
-              <a:srgbClr val="003366"/>
-            </a:gs>
-            <a:gs pos="100000">
-              <a:srgbClr val="0099FF"/>
-            </a:gs>
-          </a:gsLst>
-          <a:lin scaled="0"/>
-        </a:gradFill>
-        <a:effectLst/>
-      </p:bgPr>
-    </p:bg>
-    <p:spTree>
-      <p:nvGrpSpPr>
-        <p:cNvPr id="1" name="">
-          <a:extLst>
-            <a:ext uri="{FF2B5EF4-FFF2-40B4-BE49-F238E27FC236}">
-              <a16:creationId xmlns:a16="http://schemas.microsoft.com/office/drawing/2014/main" id="{CA2E6E8E-D539-B1EB-70B5-5D02F52C8A4C}"/>
-            </a:ext>
-          </a:extLst>
-        </p:cNvPr>
-        <p:cNvGrpSpPr/>
-        <p:nvPr/>
-      </p:nvGrpSpPr>
-      <p:grpSpPr>
-        <a:xfrm>
-          <a:off x="0" y="0"/>
-          <a:ext cx="0" cy="0"/>
-          <a:chOff x="0" y="0"/>
-          <a:chExt cx="0" cy="0"/>
-        </a:xfrm>
-      </p:grpSpPr>
-      <p:sp>
-        <p:nvSpPr>
-          <p:cNvPr id="2" name="Title 1">
-            <a:extLst>
-              <a:ext uri="{FF2B5EF4-FFF2-40B4-BE49-F238E27FC236}">
-                <a16:creationId xmlns:a16="http://schemas.microsoft.com/office/drawing/2014/main" id="{871E4FF8-EA14-4964-2621-4511177B1EBC}"/>
-              </a:ext>
-            </a:extLst>
-          </p:cNvPr>
-          <p:cNvSpPr>
-            <a:spLocks noGrp="1"/>
-          </p:cNvSpPr>
-          <p:nvPr>
-            <p:ph type="title"/>
-          </p:nvPr>
-        </p:nvSpPr>
-        <p:spPr/>
-        <p:txBody>
-          <a:bodyPr/>
-          <a:lstStyle/>
-          <a:p>
-            <a:pPr>
-              <a:defRPr sz="3000">
-                <a:solidFill>
-                  <a:srgbClr val="FFDF00"/>
-                </a:solidFill>
-              </a:defRPr>
-            </a:pPr>
-            <a:r>
-              <a:rPr lang="en-IN" dirty="0"/>
-              <a:t>Horizontal Projection</a:t>
-            </a:r>
-            <a:endParaRPr dirty="0"/>
-          </a:p>
-        </p:txBody>
-      </p:sp>
-      <p:sp>
-        <p:nvSpPr>
-          <p:cNvPr id="3" name="Rectangle 2">
-            <a:extLst>
-              <a:ext uri="{FF2B5EF4-FFF2-40B4-BE49-F238E27FC236}">
-                <a16:creationId xmlns:a16="http://schemas.microsoft.com/office/drawing/2014/main" id="{51B59C2E-B556-7AF6-0CEC-53FE7FFFCD15}"/>
-              </a:ext>
-            </a:extLst>
-          </p:cNvPr>
-          <p:cNvSpPr/>
-          <p:nvPr/>
-        </p:nvSpPr>
-        <p:spPr>
-          <a:xfrm>
-            <a:off x="457200" y="1371600"/>
-            <a:ext cx="8229600" cy="4114800"/>
-          </a:xfrm>
-          <a:prstGeom prst="rect">
-            <a:avLst/>
-          </a:prstGeom>
-          <a:solidFill>
-            <a:srgbClr val="FFFFFF"/>
-          </a:solidFill>
-        </p:spPr>
-        <p:style>
-          <a:lnRef idx="1">
-            <a:schemeClr val="accent1"/>
-          </a:lnRef>
-          <a:fillRef idx="3">
-            <a:schemeClr val="accent1"/>
-          </a:fillRef>
-          <a:effectRef idx="2">
-            <a:schemeClr val="accent1"/>
-          </a:effectRef>
-          <a:fontRef idx="minor">
-            <a:schemeClr val="lt1"/>
-          </a:fontRef>
-        </p:style>
-        <p:txBody>
-          <a:bodyPr rtlCol="0" anchor="ctr"/>
-          <a:lstStyle/>
-          <a:p>
-            <a:pPr algn="ctr"/>
-            <a:endParaRPr dirty="0"/>
-          </a:p>
-        </p:txBody>
-      </p:sp>
-      <p:sp>
-        <p:nvSpPr>
-          <p:cNvPr id="5" name="TextBox 4">
-            <a:extLst>
-              <a:ext uri="{FF2B5EF4-FFF2-40B4-BE49-F238E27FC236}">
-                <a16:creationId xmlns:a16="http://schemas.microsoft.com/office/drawing/2014/main" id="{3ABA4CEA-CD66-E4D8-F3A5-EDB4E46710D9}"/>
-              </a:ext>
-            </a:extLst>
-          </p:cNvPr>
-          <p:cNvSpPr txBox="1"/>
-          <p:nvPr/>
-        </p:nvSpPr>
-        <p:spPr>
-          <a:xfrm>
-            <a:off x="457200" y="6400800"/>
-            <a:ext cx="8229600" cy="274320"/>
-          </a:xfrm>
-          <a:prstGeom prst="rect">
-            <a:avLst/>
-          </a:prstGeom>
-          <a:noFill/>
-        </p:spPr>
-        <p:txBody>
-          <a:bodyPr wrap="none">
-            <a:spAutoFit/>
-          </a:bodyPr>
-          <a:lstStyle/>
-          <a:p>
-            <a:pPr algn="ctr">
-              <a:defRPr sz="1400">
-                <a:solidFill>
-                  <a:srgbClr val="FFDF00"/>
-                </a:solidFill>
-              </a:defRPr>
-            </a:pPr>
-            <a:r>
-              <a:t>Visvesvaraya National Institute of Technology (VNIT), Nagpur</a:t>
-            </a:r>
-          </a:p>
-        </p:txBody>
-      </p:sp>
-      <p:sp>
-        <p:nvSpPr>
-          <p:cNvPr id="6" name="Rectangle 5">
-            <a:extLst>
-              <a:ext uri="{FF2B5EF4-FFF2-40B4-BE49-F238E27FC236}">
-                <a16:creationId xmlns:a16="http://schemas.microsoft.com/office/drawing/2014/main" id="{41F9597E-43A9-9E20-6569-4838CDFCF9D3}"/>
-              </a:ext>
-            </a:extLst>
-          </p:cNvPr>
-          <p:cNvSpPr/>
-          <p:nvPr/>
-        </p:nvSpPr>
-        <p:spPr>
-          <a:xfrm>
-            <a:off x="0" y="0"/>
-            <a:ext cx="9144000" cy="457200"/>
-          </a:xfrm>
-          <a:prstGeom prst="rect">
-            <a:avLst/>
-          </a:prstGeom>
-          <a:solidFill>
-            <a:srgbClr val="003366"/>
-          </a:solidFill>
-          <a:ln>
-            <a:solidFill>
-              <a:srgbClr val="FFDF00"/>
-            </a:solidFill>
-          </a:ln>
-        </p:spPr>
-        <p:style>
-          <a:lnRef idx="1">
-            <a:schemeClr val="accent1"/>
-          </a:lnRef>
-          <a:fillRef idx="3">
-            <a:schemeClr val="accent1"/>
-          </a:fillRef>
-          <a:effectRef idx="2">
-            <a:schemeClr val="accent1"/>
-          </a:effectRef>
-          <a:fontRef idx="minor">
-            <a:schemeClr val="lt1"/>
-          </a:fontRef>
-        </p:style>
-        <p:txBody>
-          <a:bodyPr rtlCol="0" anchor="ctr"/>
-          <a:lstStyle/>
-          <a:p>
-            <a:pPr algn="ctr"/>
-            <a:endParaRPr/>
-          </a:p>
-        </p:txBody>
-      </p:sp>
-      <p:sp>
-        <p:nvSpPr>
-          <p:cNvPr id="7" name="TextBox 6">
-            <a:extLst>
-              <a:ext uri="{FF2B5EF4-FFF2-40B4-BE49-F238E27FC236}">
-                <a16:creationId xmlns:a16="http://schemas.microsoft.com/office/drawing/2014/main" id="{8ED72A9E-0035-3A5B-B0D1-B603ABBD5BA2}"/>
-              </a:ext>
-            </a:extLst>
-          </p:cNvPr>
-          <p:cNvSpPr txBox="1"/>
-          <p:nvPr/>
-        </p:nvSpPr>
-        <p:spPr>
-          <a:xfrm>
-            <a:off x="0" y="0"/>
-            <a:ext cx="9144000" cy="457200"/>
-          </a:xfrm>
-          <a:prstGeom prst="rect">
-            <a:avLst/>
-          </a:prstGeom>
-          <a:noFill/>
-        </p:spPr>
-        <p:txBody>
-          <a:bodyPr wrap="none">
-            <a:spAutoFit/>
-          </a:bodyPr>
-          <a:lstStyle/>
-          <a:p>
-            <a:pPr algn="ctr">
-              <a:defRPr sz="1400">
-                <a:solidFill>
-                  <a:srgbClr val="FFFFFF"/>
-                </a:solidFill>
-              </a:defRPr>
-            </a:pPr>
-            <a:r>
-              <a:t>Visvesvaraya National Institute of Technology (VNIT), Nagpur</a:t>
-            </a:r>
-          </a:p>
-        </p:txBody>
-      </p:sp>
-      <p:sp>
-        <p:nvSpPr>
-          <p:cNvPr id="8" name="Rectangle 7">
-            <a:extLst>
-              <a:ext uri="{FF2B5EF4-FFF2-40B4-BE49-F238E27FC236}">
-                <a16:creationId xmlns:a16="http://schemas.microsoft.com/office/drawing/2014/main" id="{4A53B3A5-C6C8-8C01-D3D2-3A9DE1AA429C}"/>
-              </a:ext>
-            </a:extLst>
-          </p:cNvPr>
-          <p:cNvSpPr/>
-          <p:nvPr/>
-        </p:nvSpPr>
-        <p:spPr>
-          <a:xfrm>
-            <a:off x="0" y="6400800"/>
-            <a:ext cx="9144000" cy="274320"/>
-          </a:xfrm>
-          <a:prstGeom prst="rect">
-            <a:avLst/>
-          </a:prstGeom>
-          <a:solidFill>
-            <a:srgbClr val="FFDF00"/>
-          </a:solidFill>
-          <a:ln>
-            <a:solidFill>
-              <a:srgbClr val="003366"/>
-            </a:solidFill>
-          </a:ln>
-        </p:spPr>
-        <p:style>
-          <a:lnRef idx="1">
-            <a:schemeClr val="accent1"/>
-          </a:lnRef>
-          <a:fillRef idx="3">
-            <a:schemeClr val="accent1"/>
-          </a:fillRef>
-          <a:effectRef idx="2">
-            <a:schemeClr val="accent1"/>
-          </a:effectRef>
-          <a:fontRef idx="minor">
-            <a:schemeClr val="lt1"/>
-          </a:fontRef>
-        </p:style>
-        <p:txBody>
-          <a:bodyPr rtlCol="0" anchor="ctr"/>
-          <a:lstStyle/>
-          <a:p>
-            <a:pPr algn="ctr"/>
-            <a:endParaRPr/>
-          </a:p>
-        </p:txBody>
-      </p:sp>
-      <p:sp>
-        <p:nvSpPr>
-          <p:cNvPr id="4" name="TextBox 3">
-            <a:extLst>
-              <a:ext uri="{FF2B5EF4-FFF2-40B4-BE49-F238E27FC236}">
-                <a16:creationId xmlns:a16="http://schemas.microsoft.com/office/drawing/2014/main" id="{E6319616-A154-CDE1-FE05-5DC93BAD3817}"/>
-              </a:ext>
-            </a:extLst>
-          </p:cNvPr>
-          <p:cNvSpPr txBox="1"/>
-          <p:nvPr/>
-        </p:nvSpPr>
-        <p:spPr>
-          <a:xfrm>
-            <a:off x="570271" y="1514168"/>
-            <a:ext cx="8116529" cy="2126864"/>
-          </a:xfrm>
-          <a:prstGeom prst="rect">
-            <a:avLst/>
-          </a:prstGeom>
-          <a:noFill/>
-        </p:spPr>
-        <p:txBody>
-          <a:bodyPr wrap="square" rtlCol="0">
-            <a:spAutoFit/>
-          </a:bodyPr>
-          <a:lstStyle/>
-          <a:p>
-            <a:pPr>
-              <a:lnSpc>
-                <a:spcPct val="150000"/>
-              </a:lnSpc>
-            </a:pPr>
-            <a:r>
-              <a:rPr lang="en-US" b="1" dirty="0"/>
-              <a:t>Goal: </a:t>
-            </a:r>
-            <a:r>
-              <a:rPr lang="en-US" dirty="0"/>
-              <a:t>Identify regions with signal activity.</a:t>
-            </a:r>
-          </a:p>
-          <a:p>
-            <a:pPr>
-              <a:lnSpc>
-                <a:spcPct val="150000"/>
-              </a:lnSpc>
-            </a:pPr>
-            <a:r>
-              <a:rPr lang="en-US" b="1" dirty="0"/>
-              <a:t>Steps:</a:t>
-            </a:r>
-          </a:p>
-          <a:p>
-            <a:pPr marL="742950" lvl="1" indent="-285750">
-              <a:lnSpc>
-                <a:spcPct val="150000"/>
-              </a:lnSpc>
-              <a:buFont typeface="Wingdings" panose="05000000000000000000" pitchFamily="2" charset="2"/>
-              <a:buChar char="Ø"/>
-            </a:pPr>
-            <a:r>
-              <a:rPr lang="en-US" b="1" dirty="0"/>
-              <a:t>Concept - </a:t>
-            </a:r>
-            <a:r>
-              <a:rPr lang="en-US" dirty="0"/>
-              <a:t>Compute the sum of pixel values for each row in the binary image.</a:t>
-            </a:r>
-          </a:p>
-          <a:p>
-            <a:pPr marL="742950" lvl="1" indent="-285750">
-              <a:lnSpc>
-                <a:spcPct val="150000"/>
-              </a:lnSpc>
-              <a:buFont typeface="Wingdings" panose="05000000000000000000" pitchFamily="2" charset="2"/>
-              <a:buChar char="Ø"/>
-            </a:pPr>
-            <a:r>
-              <a:rPr lang="en-US" dirty="0"/>
-              <a:t>The result is a 1D array, where each element corresponds to the total activity (brightness) of a row.</a:t>
-            </a:r>
-          </a:p>
-        </p:txBody>
-      </p:sp>
-      <p:pic>
-        <p:nvPicPr>
-          <p:cNvPr id="10" name="Picture 9">
-            <a:extLst>
-              <a:ext uri="{FF2B5EF4-FFF2-40B4-BE49-F238E27FC236}">
-                <a16:creationId xmlns:a16="http://schemas.microsoft.com/office/drawing/2014/main" id="{7B9C81E9-0F54-4E31-0565-29E1A81DAC50}"/>
-              </a:ext>
-            </a:extLst>
-          </p:cNvPr>
-          <p:cNvPicPr>
-            <a:picLocks noChangeAspect="1"/>
-          </p:cNvPicPr>
-          <p:nvPr/>
-        </p:nvPicPr>
-        <p:blipFill>
-          <a:blip r:embed="rId2"/>
-          <a:stretch>
-            <a:fillRect/>
-          </a:stretch>
-        </p:blipFill>
-        <p:spPr>
-          <a:xfrm>
-            <a:off x="1213006" y="3995164"/>
-            <a:ext cx="5334462" cy="807790"/>
-          </a:xfrm>
-          <a:prstGeom prst="rect">
-            <a:avLst/>
-          </a:prstGeom>
-        </p:spPr>
-      </p:pic>
-    </p:spTree>
-    <p:extLst>
-      <p:ext uri="{BB962C8B-B14F-4D97-AF65-F5344CB8AC3E}">
-        <p14:creationId xmlns:p14="http://schemas.microsoft.com/office/powerpoint/2010/main" val="1766155326"/>
-      </p:ext>
-    </p:extLst>
-  </p:cSld>
-  <p:clrMapOvr>
-    <a:masterClrMapping/>
-  </p:clrMapOvr>
-</p:sld>
-</file>
-
-<file path=ppt/slides/slide16.xml><?xml version="1.0" encoding="utf-8"?>
-<p:sld xmlns:a="http://schemas.openxmlformats.org/drawingml/2006/main" xmlns:r="http://schemas.openxmlformats.org/officeDocument/2006/relationships" xmlns:p="http://schemas.openxmlformats.org/presentationml/2006/main">
-  <p:cSld>
-    <p:bg>
-      <p:bgPr>
-        <a:gradFill rotWithShape="1">
-          <a:gsLst>
-            <a:gs pos="0">
-              <a:srgbClr val="003366"/>
-            </a:gs>
-            <a:gs pos="100000">
-              <a:srgbClr val="0099FF"/>
-            </a:gs>
-          </a:gsLst>
-          <a:lin scaled="0"/>
-        </a:gradFill>
-        <a:effectLst/>
-      </p:bgPr>
-    </p:bg>
-    <p:spTree>
-      <p:nvGrpSpPr>
-        <p:cNvPr id="1" name="">
-          <a:extLst>
-            <a:ext uri="{FF2B5EF4-FFF2-40B4-BE49-F238E27FC236}">
-              <a16:creationId xmlns:a16="http://schemas.microsoft.com/office/drawing/2014/main" id="{5F51724E-F38F-A78B-2444-6FF8514F857C}"/>
-            </a:ext>
-          </a:extLst>
-        </p:cNvPr>
-        <p:cNvGrpSpPr/>
-        <p:nvPr/>
-      </p:nvGrpSpPr>
-      <p:grpSpPr>
-        <a:xfrm>
-          <a:off x="0" y="0"/>
-          <a:ext cx="0" cy="0"/>
-          <a:chOff x="0" y="0"/>
-          <a:chExt cx="0" cy="0"/>
-        </a:xfrm>
-      </p:grpSpPr>
-      <p:sp>
-        <p:nvSpPr>
-          <p:cNvPr id="2" name="Title 1">
-            <a:extLst>
-              <a:ext uri="{FF2B5EF4-FFF2-40B4-BE49-F238E27FC236}">
-                <a16:creationId xmlns:a16="http://schemas.microsoft.com/office/drawing/2014/main" id="{ACB73600-760D-A106-EFC6-4539643803B9}"/>
-              </a:ext>
-            </a:extLst>
-          </p:cNvPr>
-          <p:cNvSpPr>
-            <a:spLocks noGrp="1"/>
-          </p:cNvSpPr>
-          <p:nvPr>
-            <p:ph type="title"/>
-          </p:nvPr>
-        </p:nvSpPr>
-        <p:spPr/>
-        <p:txBody>
-          <a:bodyPr/>
-          <a:lstStyle/>
-          <a:p>
-            <a:pPr>
-              <a:defRPr sz="3000">
-                <a:solidFill>
-                  <a:srgbClr val="FFDF00"/>
-                </a:solidFill>
-              </a:defRPr>
-            </a:pPr>
-            <a:r>
-              <a:rPr lang="en-IN" dirty="0"/>
-              <a:t>Signal Region Detection</a:t>
-            </a:r>
-            <a:endParaRPr dirty="0"/>
-          </a:p>
-        </p:txBody>
-      </p:sp>
-      <p:sp>
-        <p:nvSpPr>
-          <p:cNvPr id="3" name="Rectangle 2">
-            <a:extLst>
-              <a:ext uri="{FF2B5EF4-FFF2-40B4-BE49-F238E27FC236}">
-                <a16:creationId xmlns:a16="http://schemas.microsoft.com/office/drawing/2014/main" id="{BFECDDE4-051A-B1C1-60E3-BBCA6FF1EEF9}"/>
-              </a:ext>
-            </a:extLst>
-          </p:cNvPr>
-          <p:cNvSpPr/>
-          <p:nvPr/>
-        </p:nvSpPr>
-        <p:spPr>
-          <a:xfrm>
-            <a:off x="457200" y="1371600"/>
-            <a:ext cx="8229600" cy="4114800"/>
-          </a:xfrm>
-          <a:prstGeom prst="rect">
-            <a:avLst/>
-          </a:prstGeom>
-          <a:solidFill>
-            <a:srgbClr val="FFFFFF"/>
-          </a:solidFill>
-        </p:spPr>
-        <p:style>
-          <a:lnRef idx="1">
-            <a:schemeClr val="accent1"/>
-          </a:lnRef>
-          <a:fillRef idx="3">
-            <a:schemeClr val="accent1"/>
-          </a:fillRef>
-          <a:effectRef idx="2">
-            <a:schemeClr val="accent1"/>
-          </a:effectRef>
-          <a:fontRef idx="minor">
-            <a:schemeClr val="lt1"/>
-          </a:fontRef>
-        </p:style>
-        <p:txBody>
-          <a:bodyPr rtlCol="0" anchor="ctr"/>
-          <a:lstStyle/>
-          <a:p>
-            <a:pPr algn="ctr"/>
-            <a:endParaRPr dirty="0"/>
-          </a:p>
-        </p:txBody>
-      </p:sp>
-      <p:sp>
-        <p:nvSpPr>
-          <p:cNvPr id="5" name="TextBox 4">
-            <a:extLst>
-              <a:ext uri="{FF2B5EF4-FFF2-40B4-BE49-F238E27FC236}">
-                <a16:creationId xmlns:a16="http://schemas.microsoft.com/office/drawing/2014/main" id="{5107F157-2301-61C4-154B-E0F24519EF18}"/>
-              </a:ext>
-            </a:extLst>
-          </p:cNvPr>
-          <p:cNvSpPr txBox="1"/>
-          <p:nvPr/>
-        </p:nvSpPr>
-        <p:spPr>
-          <a:xfrm>
-            <a:off x="457200" y="6400800"/>
-            <a:ext cx="8229600" cy="274320"/>
-          </a:xfrm>
-          <a:prstGeom prst="rect">
-            <a:avLst/>
-          </a:prstGeom>
-          <a:noFill/>
-        </p:spPr>
-        <p:txBody>
-          <a:bodyPr wrap="none">
-            <a:spAutoFit/>
-          </a:bodyPr>
-          <a:lstStyle/>
-          <a:p>
-            <a:pPr algn="ctr">
-              <a:defRPr sz="1400">
-                <a:solidFill>
-                  <a:srgbClr val="FFDF00"/>
-                </a:solidFill>
-              </a:defRPr>
-            </a:pPr>
-            <a:r>
-              <a:t>Visvesvaraya National Institute of Technology (VNIT), Nagpur</a:t>
-            </a:r>
-          </a:p>
-        </p:txBody>
-      </p:sp>
-      <p:sp>
-        <p:nvSpPr>
-          <p:cNvPr id="6" name="Rectangle 5">
-            <a:extLst>
-              <a:ext uri="{FF2B5EF4-FFF2-40B4-BE49-F238E27FC236}">
-                <a16:creationId xmlns:a16="http://schemas.microsoft.com/office/drawing/2014/main" id="{FD97F962-B6DF-F2B8-F998-9F4D9167AFAB}"/>
-              </a:ext>
-            </a:extLst>
-          </p:cNvPr>
-          <p:cNvSpPr/>
-          <p:nvPr/>
-        </p:nvSpPr>
-        <p:spPr>
-          <a:xfrm>
-            <a:off x="0" y="0"/>
-            <a:ext cx="9144000" cy="457200"/>
-          </a:xfrm>
-          <a:prstGeom prst="rect">
-            <a:avLst/>
-          </a:prstGeom>
-          <a:solidFill>
-            <a:srgbClr val="003366"/>
-          </a:solidFill>
-          <a:ln>
-            <a:solidFill>
-              <a:srgbClr val="FFDF00"/>
-            </a:solidFill>
-          </a:ln>
-        </p:spPr>
-        <p:style>
-          <a:lnRef idx="1">
-            <a:schemeClr val="accent1"/>
-          </a:lnRef>
-          <a:fillRef idx="3">
-            <a:schemeClr val="accent1"/>
-          </a:fillRef>
-          <a:effectRef idx="2">
-            <a:schemeClr val="accent1"/>
-          </a:effectRef>
-          <a:fontRef idx="minor">
-            <a:schemeClr val="lt1"/>
-          </a:fontRef>
-        </p:style>
-        <p:txBody>
-          <a:bodyPr rtlCol="0" anchor="ctr"/>
-          <a:lstStyle/>
-          <a:p>
-            <a:pPr algn="ctr"/>
-            <a:endParaRPr/>
-          </a:p>
-        </p:txBody>
-      </p:sp>
-      <p:sp>
-        <p:nvSpPr>
-          <p:cNvPr id="7" name="TextBox 6">
-            <a:extLst>
-              <a:ext uri="{FF2B5EF4-FFF2-40B4-BE49-F238E27FC236}">
-                <a16:creationId xmlns:a16="http://schemas.microsoft.com/office/drawing/2014/main" id="{90AA34AA-03D5-A35D-3BD1-C8AF8820B277}"/>
-              </a:ext>
-            </a:extLst>
-          </p:cNvPr>
-          <p:cNvSpPr txBox="1"/>
-          <p:nvPr/>
-        </p:nvSpPr>
-        <p:spPr>
-          <a:xfrm>
-            <a:off x="0" y="0"/>
-            <a:ext cx="9144000" cy="457200"/>
-          </a:xfrm>
-          <a:prstGeom prst="rect">
-            <a:avLst/>
-          </a:prstGeom>
-          <a:noFill/>
-        </p:spPr>
-        <p:txBody>
-          <a:bodyPr wrap="none">
-            <a:spAutoFit/>
-          </a:bodyPr>
-          <a:lstStyle/>
-          <a:p>
-            <a:pPr algn="ctr">
-              <a:defRPr sz="1400">
-                <a:solidFill>
-                  <a:srgbClr val="FFFFFF"/>
-                </a:solidFill>
-              </a:defRPr>
-            </a:pPr>
-            <a:r>
-              <a:t>Visvesvaraya National Institute of Technology (VNIT), Nagpur</a:t>
-            </a:r>
-          </a:p>
-        </p:txBody>
-      </p:sp>
-      <p:sp>
-        <p:nvSpPr>
-          <p:cNvPr id="8" name="Rectangle 7">
-            <a:extLst>
-              <a:ext uri="{FF2B5EF4-FFF2-40B4-BE49-F238E27FC236}">
-                <a16:creationId xmlns:a16="http://schemas.microsoft.com/office/drawing/2014/main" id="{8D516ECF-E6B0-0D83-05D6-6F2DD771C473}"/>
-              </a:ext>
-            </a:extLst>
-          </p:cNvPr>
-          <p:cNvSpPr/>
-          <p:nvPr/>
-        </p:nvSpPr>
-        <p:spPr>
-          <a:xfrm>
-            <a:off x="0" y="6400800"/>
-            <a:ext cx="9144000" cy="274320"/>
-          </a:xfrm>
-          <a:prstGeom prst="rect">
-            <a:avLst/>
-          </a:prstGeom>
-          <a:solidFill>
-            <a:srgbClr val="FFDF00"/>
-          </a:solidFill>
-          <a:ln>
-            <a:solidFill>
-              <a:srgbClr val="003366"/>
-            </a:solidFill>
-          </a:ln>
-        </p:spPr>
-        <p:style>
-          <a:lnRef idx="1">
-            <a:schemeClr val="accent1"/>
-          </a:lnRef>
-          <a:fillRef idx="3">
-            <a:schemeClr val="accent1"/>
-          </a:fillRef>
-          <a:effectRef idx="2">
-            <a:schemeClr val="accent1"/>
-          </a:effectRef>
-          <a:fontRef idx="minor">
-            <a:schemeClr val="lt1"/>
-          </a:fontRef>
-        </p:style>
-        <p:txBody>
-          <a:bodyPr rtlCol="0" anchor="ctr"/>
-          <a:lstStyle/>
-          <a:p>
-            <a:pPr algn="ctr"/>
-            <a:endParaRPr/>
-          </a:p>
-        </p:txBody>
-      </p:sp>
-      <p:sp>
-        <p:nvSpPr>
-          <p:cNvPr id="4" name="TextBox 3">
-            <a:extLst>
-              <a:ext uri="{FF2B5EF4-FFF2-40B4-BE49-F238E27FC236}">
-                <a16:creationId xmlns:a16="http://schemas.microsoft.com/office/drawing/2014/main" id="{9DE2DFEF-E62B-50B7-09DE-9CB890ADA5FA}"/>
-              </a:ext>
-            </a:extLst>
-          </p:cNvPr>
-          <p:cNvSpPr txBox="1"/>
-          <p:nvPr/>
-        </p:nvSpPr>
-        <p:spPr>
-          <a:xfrm>
-            <a:off x="570271" y="1514168"/>
-            <a:ext cx="8116529" cy="3373359"/>
-          </a:xfrm>
-          <a:prstGeom prst="rect">
-            <a:avLst/>
-          </a:prstGeom>
-          <a:noFill/>
-        </p:spPr>
-        <p:txBody>
-          <a:bodyPr wrap="square" rtlCol="0">
-            <a:spAutoFit/>
-          </a:bodyPr>
-          <a:lstStyle/>
-          <a:p>
-            <a:pPr>
-              <a:lnSpc>
-                <a:spcPct val="150000"/>
-              </a:lnSpc>
-            </a:pPr>
-            <a:r>
-              <a:rPr lang="en-US" b="1" dirty="0"/>
-              <a:t>Goal: </a:t>
-            </a:r>
-            <a:r>
-              <a:rPr lang="en-US" dirty="0"/>
-              <a:t>Locate vertical signal regions using the horizontal projection.</a:t>
-            </a:r>
-          </a:p>
-          <a:p>
-            <a:pPr>
-              <a:lnSpc>
-                <a:spcPct val="150000"/>
-              </a:lnSpc>
-            </a:pPr>
-            <a:r>
-              <a:rPr lang="en-US" b="1" dirty="0"/>
-              <a:t>Approaches:</a:t>
-            </a:r>
-          </a:p>
-          <a:p>
-            <a:pPr marL="742950" lvl="1" indent="-285750">
-              <a:lnSpc>
-                <a:spcPct val="150000"/>
-              </a:lnSpc>
-              <a:buFont typeface="Wingdings" panose="05000000000000000000" pitchFamily="2" charset="2"/>
-              <a:buChar char="Ø"/>
-            </a:pPr>
-            <a:r>
-              <a:rPr lang="en-US" b="1" dirty="0"/>
-              <a:t>Method 1: </a:t>
-            </a:r>
-            <a:r>
-              <a:rPr lang="en-US" dirty="0"/>
-              <a:t>Directly analyze projection </a:t>
-            </a:r>
-          </a:p>
-          <a:p>
-            <a:pPr lvl="1">
-              <a:lnSpc>
-                <a:spcPct val="150000"/>
-              </a:lnSpc>
-            </a:pPr>
-            <a:r>
-              <a:rPr lang="en-US" dirty="0"/>
-              <a:t>values above a threshold to determine </a:t>
-            </a:r>
-          </a:p>
-          <a:p>
-            <a:pPr lvl="1">
-              <a:lnSpc>
-                <a:spcPct val="150000"/>
-              </a:lnSpc>
-            </a:pPr>
-            <a:r>
-              <a:rPr lang="en-US" dirty="0"/>
-              <a:t>the start and end rows of signal regions.</a:t>
-            </a:r>
-          </a:p>
-          <a:p>
-            <a:pPr marL="742950" lvl="1" indent="-285750">
-              <a:lnSpc>
-                <a:spcPct val="150000"/>
-              </a:lnSpc>
-              <a:buFont typeface="Wingdings" panose="05000000000000000000" pitchFamily="2" charset="2"/>
-              <a:buChar char="Ø"/>
-            </a:pPr>
-            <a:r>
-              <a:rPr lang="en-US" b="1" dirty="0"/>
-              <a:t>Method 2: </a:t>
-            </a:r>
-            <a:r>
-              <a:rPr lang="en-US" dirty="0"/>
-              <a:t>Use </a:t>
-            </a:r>
-            <a:r>
-              <a:rPr lang="en-US" dirty="0" err="1"/>
-              <a:t>np.where</a:t>
-            </a:r>
-            <a:r>
-              <a:rPr lang="en-US" dirty="0"/>
-              <a:t> to identify </a:t>
-            </a:r>
-          </a:p>
-          <a:p>
-            <a:pPr lvl="1">
-              <a:lnSpc>
-                <a:spcPct val="150000"/>
-              </a:lnSpc>
-            </a:pPr>
-            <a:r>
-              <a:rPr lang="en-US" dirty="0"/>
-              <a:t>rows with significant activity and group </a:t>
-            </a:r>
-          </a:p>
-          <a:p>
-            <a:pPr lvl="1">
-              <a:lnSpc>
-                <a:spcPct val="150000"/>
-              </a:lnSpc>
-            </a:pPr>
-            <a:r>
-              <a:rPr lang="en-US" dirty="0"/>
-              <a:t>them into contiguous regions.</a:t>
-            </a:r>
-          </a:p>
-        </p:txBody>
-      </p:sp>
-      <p:pic>
-        <p:nvPicPr>
-          <p:cNvPr id="11" name="Picture 10">
-            <a:extLst>
-              <a:ext uri="{FF2B5EF4-FFF2-40B4-BE49-F238E27FC236}">
-                <a16:creationId xmlns:a16="http://schemas.microsoft.com/office/drawing/2014/main" id="{910C5A0F-9A94-B6AC-AD5E-9F61AC662F02}"/>
-              </a:ext>
-            </a:extLst>
-          </p:cNvPr>
-          <p:cNvPicPr>
-            <a:picLocks noChangeAspect="1"/>
-          </p:cNvPicPr>
-          <p:nvPr/>
-        </p:nvPicPr>
-        <p:blipFill>
-          <a:blip r:embed="rId2"/>
-          <a:stretch>
-            <a:fillRect/>
-          </a:stretch>
-        </p:blipFill>
-        <p:spPr>
-          <a:xfrm>
-            <a:off x="4961614" y="1970473"/>
-            <a:ext cx="3725186" cy="3515927"/>
-          </a:xfrm>
-          <a:prstGeom prst="rect">
-            <a:avLst/>
-          </a:prstGeom>
-        </p:spPr>
-      </p:pic>
-    </p:spTree>
-    <p:extLst>
-      <p:ext uri="{BB962C8B-B14F-4D97-AF65-F5344CB8AC3E}">
-        <p14:creationId xmlns:p14="http://schemas.microsoft.com/office/powerpoint/2010/main" val="3774253277"/>
-      </p:ext>
-    </p:extLst>
-  </p:cSld>
-  <p:clrMapOvr>
-    <a:masterClrMapping/>
-  </p:clrMapOvr>
-</p:sld>
-</file>
-
-<file path=ppt/slides/slide17.xml><?xml version="1.0" encoding="utf-8"?>
-<p:sld xmlns:a="http://schemas.openxmlformats.org/drawingml/2006/main" xmlns:r="http://schemas.openxmlformats.org/officeDocument/2006/relationships" xmlns:p="http://schemas.openxmlformats.org/presentationml/2006/main">
-  <p:cSld>
-    <p:bg>
-      <p:bgPr>
-        <a:gradFill rotWithShape="1">
-          <a:gsLst>
-            <a:gs pos="0">
-              <a:srgbClr val="003366"/>
-            </a:gs>
-            <a:gs pos="100000">
-              <a:srgbClr val="0099FF"/>
-            </a:gs>
-          </a:gsLst>
-          <a:lin scaled="0"/>
-        </a:gradFill>
-        <a:effectLst/>
-      </p:bgPr>
-    </p:bg>
-    <p:spTree>
-      <p:nvGrpSpPr>
-        <p:cNvPr id="1" name="">
-          <a:extLst>
-            <a:ext uri="{FF2B5EF4-FFF2-40B4-BE49-F238E27FC236}">
-              <a16:creationId xmlns:a16="http://schemas.microsoft.com/office/drawing/2014/main" id="{616DF817-E01F-3320-2FB1-F29ACC023944}"/>
-            </a:ext>
-          </a:extLst>
-        </p:cNvPr>
-        <p:cNvGrpSpPr/>
-        <p:nvPr/>
-      </p:nvGrpSpPr>
-      <p:grpSpPr>
-        <a:xfrm>
-          <a:off x="0" y="0"/>
-          <a:ext cx="0" cy="0"/>
-          <a:chOff x="0" y="0"/>
-          <a:chExt cx="0" cy="0"/>
-        </a:xfrm>
-      </p:grpSpPr>
-      <p:sp>
-        <p:nvSpPr>
-          <p:cNvPr id="2" name="Title 1">
-            <a:extLst>
-              <a:ext uri="{FF2B5EF4-FFF2-40B4-BE49-F238E27FC236}">
-                <a16:creationId xmlns:a16="http://schemas.microsoft.com/office/drawing/2014/main" id="{9F474098-C951-315E-C282-D22EE75800E3}"/>
-              </a:ext>
-            </a:extLst>
-          </p:cNvPr>
-          <p:cNvSpPr>
-            <a:spLocks noGrp="1"/>
-          </p:cNvSpPr>
-          <p:nvPr>
-            <p:ph type="title"/>
-          </p:nvPr>
-        </p:nvSpPr>
-        <p:spPr/>
-        <p:txBody>
-          <a:bodyPr/>
-          <a:lstStyle/>
-          <a:p>
-            <a:pPr>
-              <a:defRPr sz="3000">
-                <a:solidFill>
-                  <a:srgbClr val="FFDF00"/>
-                </a:solidFill>
-              </a:defRPr>
-            </a:pPr>
-            <a:r>
-              <a:rPr lang="en-IN" dirty="0"/>
-              <a:t>Signal Extraction</a:t>
-            </a:r>
-            <a:endParaRPr dirty="0"/>
-          </a:p>
-        </p:txBody>
-      </p:sp>
-      <p:sp>
-        <p:nvSpPr>
-          <p:cNvPr id="3" name="Rectangle 2">
-            <a:extLst>
-              <a:ext uri="{FF2B5EF4-FFF2-40B4-BE49-F238E27FC236}">
-                <a16:creationId xmlns:a16="http://schemas.microsoft.com/office/drawing/2014/main" id="{C1263BED-32E9-F1F5-0B81-93DE1F98D859}"/>
-              </a:ext>
-            </a:extLst>
-          </p:cNvPr>
-          <p:cNvSpPr/>
-          <p:nvPr/>
-        </p:nvSpPr>
-        <p:spPr>
-          <a:xfrm>
-            <a:off x="457200" y="1371600"/>
-            <a:ext cx="8229600" cy="4114800"/>
-          </a:xfrm>
-          <a:prstGeom prst="rect">
-            <a:avLst/>
-          </a:prstGeom>
-          <a:solidFill>
-            <a:srgbClr val="FFFFFF"/>
-          </a:solidFill>
-        </p:spPr>
-        <p:style>
-          <a:lnRef idx="1">
-            <a:schemeClr val="accent1"/>
-          </a:lnRef>
-          <a:fillRef idx="3">
-            <a:schemeClr val="accent1"/>
-          </a:fillRef>
-          <a:effectRef idx="2">
-            <a:schemeClr val="accent1"/>
-          </a:effectRef>
-          <a:fontRef idx="minor">
-            <a:schemeClr val="lt1"/>
-          </a:fontRef>
-        </p:style>
-        <p:txBody>
-          <a:bodyPr rtlCol="0" anchor="ctr"/>
-          <a:lstStyle/>
-          <a:p>
-            <a:pPr algn="ctr"/>
-            <a:endParaRPr dirty="0"/>
-          </a:p>
-        </p:txBody>
-      </p:sp>
-      <p:sp>
-        <p:nvSpPr>
-          <p:cNvPr id="5" name="TextBox 4">
-            <a:extLst>
-              <a:ext uri="{FF2B5EF4-FFF2-40B4-BE49-F238E27FC236}">
-                <a16:creationId xmlns:a16="http://schemas.microsoft.com/office/drawing/2014/main" id="{7B047A3E-10E9-DE76-E2CB-4BEDE9C00002}"/>
-              </a:ext>
-            </a:extLst>
-          </p:cNvPr>
-          <p:cNvSpPr txBox="1"/>
-          <p:nvPr/>
-        </p:nvSpPr>
-        <p:spPr>
-          <a:xfrm>
-            <a:off x="457200" y="6400800"/>
-            <a:ext cx="8229600" cy="274320"/>
-          </a:xfrm>
-          <a:prstGeom prst="rect">
-            <a:avLst/>
-          </a:prstGeom>
-          <a:noFill/>
-        </p:spPr>
-        <p:txBody>
-          <a:bodyPr wrap="none">
-            <a:spAutoFit/>
-          </a:bodyPr>
-          <a:lstStyle/>
-          <a:p>
-            <a:pPr algn="ctr">
-              <a:defRPr sz="1400">
-                <a:solidFill>
-                  <a:srgbClr val="FFDF00"/>
-                </a:solidFill>
-              </a:defRPr>
-            </a:pPr>
-            <a:r>
-              <a:t>Visvesvaraya National Institute of Technology (VNIT), Nagpur</a:t>
-            </a:r>
-          </a:p>
-        </p:txBody>
-      </p:sp>
-      <p:sp>
-        <p:nvSpPr>
-          <p:cNvPr id="6" name="Rectangle 5">
-            <a:extLst>
-              <a:ext uri="{FF2B5EF4-FFF2-40B4-BE49-F238E27FC236}">
-                <a16:creationId xmlns:a16="http://schemas.microsoft.com/office/drawing/2014/main" id="{68EB1DBE-63A4-C7A5-D33D-19BE2F8F857A}"/>
-              </a:ext>
-            </a:extLst>
-          </p:cNvPr>
-          <p:cNvSpPr/>
-          <p:nvPr/>
-        </p:nvSpPr>
-        <p:spPr>
-          <a:xfrm>
-            <a:off x="0" y="0"/>
-            <a:ext cx="9144000" cy="457200"/>
-          </a:xfrm>
-          <a:prstGeom prst="rect">
-            <a:avLst/>
-          </a:prstGeom>
-          <a:solidFill>
-            <a:srgbClr val="003366"/>
-          </a:solidFill>
-          <a:ln>
-            <a:solidFill>
-              <a:srgbClr val="FFDF00"/>
-            </a:solidFill>
-          </a:ln>
-        </p:spPr>
-        <p:style>
-          <a:lnRef idx="1">
-            <a:schemeClr val="accent1"/>
-          </a:lnRef>
-          <a:fillRef idx="3">
-            <a:schemeClr val="accent1"/>
-          </a:fillRef>
-          <a:effectRef idx="2">
-            <a:schemeClr val="accent1"/>
-          </a:effectRef>
-          <a:fontRef idx="minor">
-            <a:schemeClr val="lt1"/>
-          </a:fontRef>
-        </p:style>
-        <p:txBody>
-          <a:bodyPr rtlCol="0" anchor="ctr"/>
-          <a:lstStyle/>
-          <a:p>
-            <a:pPr algn="ctr"/>
-            <a:endParaRPr/>
-          </a:p>
-        </p:txBody>
-      </p:sp>
-      <p:sp>
-        <p:nvSpPr>
-          <p:cNvPr id="7" name="TextBox 6">
-            <a:extLst>
-              <a:ext uri="{FF2B5EF4-FFF2-40B4-BE49-F238E27FC236}">
-                <a16:creationId xmlns:a16="http://schemas.microsoft.com/office/drawing/2014/main" id="{D7F63611-1BCF-B9AE-3DDA-73AE710CACD1}"/>
-              </a:ext>
-            </a:extLst>
-          </p:cNvPr>
-          <p:cNvSpPr txBox="1"/>
-          <p:nvPr/>
-        </p:nvSpPr>
-        <p:spPr>
-          <a:xfrm>
-            <a:off x="0" y="0"/>
-            <a:ext cx="9144000" cy="457200"/>
-          </a:xfrm>
-          <a:prstGeom prst="rect">
-            <a:avLst/>
-          </a:prstGeom>
-          <a:noFill/>
-        </p:spPr>
-        <p:txBody>
-          <a:bodyPr wrap="none">
-            <a:spAutoFit/>
-          </a:bodyPr>
-          <a:lstStyle/>
-          <a:p>
-            <a:pPr algn="ctr">
-              <a:defRPr sz="1400">
-                <a:solidFill>
-                  <a:srgbClr val="FFFFFF"/>
-                </a:solidFill>
-              </a:defRPr>
-            </a:pPr>
-            <a:r>
-              <a:t>Visvesvaraya National Institute of Technology (VNIT), Nagpur</a:t>
-            </a:r>
-          </a:p>
-        </p:txBody>
-      </p:sp>
-      <p:sp>
-        <p:nvSpPr>
-          <p:cNvPr id="8" name="Rectangle 7">
-            <a:extLst>
-              <a:ext uri="{FF2B5EF4-FFF2-40B4-BE49-F238E27FC236}">
-                <a16:creationId xmlns:a16="http://schemas.microsoft.com/office/drawing/2014/main" id="{594B9443-E1E6-62E2-DAB1-8DC8738B60BC}"/>
-              </a:ext>
-            </a:extLst>
-          </p:cNvPr>
-          <p:cNvSpPr/>
-          <p:nvPr/>
-        </p:nvSpPr>
-        <p:spPr>
-          <a:xfrm>
-            <a:off x="0" y="6400800"/>
-            <a:ext cx="9144000" cy="274320"/>
-          </a:xfrm>
-          <a:prstGeom prst="rect">
-            <a:avLst/>
-          </a:prstGeom>
-          <a:solidFill>
-            <a:srgbClr val="FFDF00"/>
-          </a:solidFill>
-          <a:ln>
-            <a:solidFill>
-              <a:srgbClr val="003366"/>
-            </a:solidFill>
-          </a:ln>
-        </p:spPr>
-        <p:style>
-          <a:lnRef idx="1">
-            <a:schemeClr val="accent1"/>
-          </a:lnRef>
-          <a:fillRef idx="3">
-            <a:schemeClr val="accent1"/>
-          </a:fillRef>
-          <a:effectRef idx="2">
-            <a:schemeClr val="accent1"/>
-          </a:effectRef>
-          <a:fontRef idx="minor">
-            <a:schemeClr val="lt1"/>
-          </a:fontRef>
-        </p:style>
-        <p:txBody>
-          <a:bodyPr rtlCol="0" anchor="ctr"/>
-          <a:lstStyle/>
-          <a:p>
-            <a:pPr algn="ctr"/>
-            <a:endParaRPr/>
-          </a:p>
-        </p:txBody>
-      </p:sp>
-      <p:sp>
-        <p:nvSpPr>
-          <p:cNvPr id="4" name="TextBox 3">
-            <a:extLst>
-              <a:ext uri="{FF2B5EF4-FFF2-40B4-BE49-F238E27FC236}">
-                <a16:creationId xmlns:a16="http://schemas.microsoft.com/office/drawing/2014/main" id="{CA06E990-A1DE-8A93-3252-6C7B6EBC071E}"/>
-              </a:ext>
-            </a:extLst>
-          </p:cNvPr>
-          <p:cNvSpPr txBox="1"/>
-          <p:nvPr/>
-        </p:nvSpPr>
-        <p:spPr>
-          <a:xfrm>
-            <a:off x="677400" y="1476355"/>
-            <a:ext cx="8116529" cy="1711366"/>
-          </a:xfrm>
-          <a:prstGeom prst="rect">
-            <a:avLst/>
-          </a:prstGeom>
-          <a:noFill/>
-        </p:spPr>
-        <p:txBody>
-          <a:bodyPr wrap="square" rtlCol="0">
-            <a:spAutoFit/>
-          </a:bodyPr>
-          <a:lstStyle/>
-          <a:p>
-            <a:pPr>
-              <a:lnSpc>
-                <a:spcPct val="150000"/>
-              </a:lnSpc>
-            </a:pPr>
-            <a:r>
-              <a:rPr lang="en-US" b="1" dirty="0"/>
-              <a:t>Goal: </a:t>
-            </a:r>
-            <a:r>
-              <a:rPr lang="en-US" dirty="0"/>
-              <a:t>Crop individual signal regions from the original image.</a:t>
-            </a:r>
-          </a:p>
-          <a:p>
-            <a:pPr>
-              <a:lnSpc>
-                <a:spcPct val="150000"/>
-              </a:lnSpc>
-            </a:pPr>
-            <a:r>
-              <a:rPr lang="en-US" b="1" dirty="0"/>
-              <a:t>Steps:</a:t>
-            </a:r>
-          </a:p>
-          <a:p>
-            <a:pPr marL="742950" lvl="1" indent="-285750">
-              <a:lnSpc>
-                <a:spcPct val="150000"/>
-              </a:lnSpc>
-              <a:buFont typeface="Wingdings" panose="05000000000000000000" pitchFamily="2" charset="2"/>
-              <a:buChar char="Ø"/>
-            </a:pPr>
-            <a:r>
-              <a:rPr lang="en-US" dirty="0"/>
-              <a:t>Extract rows corresponding to detected signal regions.</a:t>
-            </a:r>
-          </a:p>
-          <a:p>
-            <a:pPr marL="742950" lvl="1" indent="-285750">
-              <a:lnSpc>
-                <a:spcPct val="150000"/>
-              </a:lnSpc>
-              <a:buFont typeface="Wingdings" panose="05000000000000000000" pitchFamily="2" charset="2"/>
-              <a:buChar char="Ø"/>
-            </a:pPr>
-            <a:r>
-              <a:rPr lang="en-US" dirty="0"/>
-              <a:t>Store each cropped signal as a separate image for further analysis.</a:t>
-            </a:r>
-          </a:p>
-        </p:txBody>
-      </p:sp>
-      <p:pic>
-        <p:nvPicPr>
-          <p:cNvPr id="11" name="Picture 10">
-            <a:extLst>
-              <a:ext uri="{FF2B5EF4-FFF2-40B4-BE49-F238E27FC236}">
-                <a16:creationId xmlns:a16="http://schemas.microsoft.com/office/drawing/2014/main" id="{3CCE5B9D-B97B-4FC6-8923-E02EF23804F1}"/>
-              </a:ext>
-            </a:extLst>
-          </p:cNvPr>
-          <p:cNvPicPr>
-            <a:picLocks noChangeAspect="1"/>
-          </p:cNvPicPr>
-          <p:nvPr/>
-        </p:nvPicPr>
-        <p:blipFill>
-          <a:blip r:embed="rId2"/>
-          <a:stretch>
-            <a:fillRect/>
-          </a:stretch>
-        </p:blipFill>
-        <p:spPr>
-          <a:xfrm>
-            <a:off x="1549270" y="3442934"/>
-            <a:ext cx="4930567" cy="1318374"/>
-          </a:xfrm>
-          <a:prstGeom prst="rect">
-            <a:avLst/>
-          </a:prstGeom>
-        </p:spPr>
-      </p:pic>
-    </p:spTree>
-    <p:extLst>
-      <p:ext uri="{BB962C8B-B14F-4D97-AF65-F5344CB8AC3E}">
-        <p14:creationId xmlns:p14="http://schemas.microsoft.com/office/powerpoint/2010/main" val="2274688692"/>
-      </p:ext>
-    </p:extLst>
-  </p:cSld>
-  <p:clrMapOvr>
-    <a:masterClrMapping/>
-  </p:clrMapOvr>
-</p:sld>
-</file>
-
-<file path=ppt/slides/slide18.xml><?xml version="1.0" encoding="utf-8"?>
-<p:sld xmlns:a="http://schemas.openxmlformats.org/drawingml/2006/main" xmlns:r="http://schemas.openxmlformats.org/officeDocument/2006/relationships" xmlns:p="http://schemas.openxmlformats.org/presentationml/2006/main">
-  <p:cSld>
-    <p:bg>
-      <p:bgPr>
-        <a:gradFill rotWithShape="1">
-          <a:gsLst>
-            <a:gs pos="0">
-              <a:srgbClr val="003366"/>
-            </a:gs>
-            <a:gs pos="100000">
-              <a:srgbClr val="0099FF"/>
-            </a:gs>
-          </a:gsLst>
-          <a:lin scaled="0"/>
-        </a:gradFill>
-        <a:effectLst/>
-      </p:bgPr>
-    </p:bg>
-    <p:spTree>
-      <p:nvGrpSpPr>
-        <p:cNvPr id="1" name="">
-          <a:extLst>
-            <a:ext uri="{FF2B5EF4-FFF2-40B4-BE49-F238E27FC236}">
-              <a16:creationId xmlns:a16="http://schemas.microsoft.com/office/drawing/2014/main" id="{1B325A84-1552-8926-BD82-B2BC3816CCF0}"/>
-            </a:ext>
-          </a:extLst>
-        </p:cNvPr>
-        <p:cNvGrpSpPr/>
-        <p:nvPr/>
-      </p:nvGrpSpPr>
-      <p:grpSpPr>
-        <a:xfrm>
-          <a:off x="0" y="0"/>
-          <a:ext cx="0" cy="0"/>
-          <a:chOff x="0" y="0"/>
-          <a:chExt cx="0" cy="0"/>
-        </a:xfrm>
-      </p:grpSpPr>
-      <p:sp>
-        <p:nvSpPr>
-          <p:cNvPr id="2" name="Title 1">
-            <a:extLst>
-              <a:ext uri="{FF2B5EF4-FFF2-40B4-BE49-F238E27FC236}">
-                <a16:creationId xmlns:a16="http://schemas.microsoft.com/office/drawing/2014/main" id="{3FBBFCBA-5DE4-8F37-E49B-AF3BBB759E75}"/>
-              </a:ext>
-            </a:extLst>
-          </p:cNvPr>
-          <p:cNvSpPr>
-            <a:spLocks noGrp="1"/>
-          </p:cNvSpPr>
-          <p:nvPr>
-            <p:ph type="title"/>
-          </p:nvPr>
-        </p:nvSpPr>
-        <p:spPr/>
-        <p:txBody>
-          <a:bodyPr/>
-          <a:lstStyle/>
-          <a:p>
-            <a:pPr>
-              <a:defRPr sz="3000">
-                <a:solidFill>
-                  <a:srgbClr val="FFDF00"/>
-                </a:solidFill>
-              </a:defRPr>
-            </a:pPr>
-            <a:r>
-              <a:rPr lang="en-IN" dirty="0"/>
-              <a:t>Visualization</a:t>
-            </a:r>
-            <a:endParaRPr dirty="0"/>
-          </a:p>
-        </p:txBody>
-      </p:sp>
-      <p:sp>
-        <p:nvSpPr>
-          <p:cNvPr id="3" name="Rectangle 2">
-            <a:extLst>
-              <a:ext uri="{FF2B5EF4-FFF2-40B4-BE49-F238E27FC236}">
-                <a16:creationId xmlns:a16="http://schemas.microsoft.com/office/drawing/2014/main" id="{6F082F7B-A1EC-7A45-FBC1-9BE4BEA3BFEF}"/>
-              </a:ext>
-            </a:extLst>
-          </p:cNvPr>
-          <p:cNvSpPr/>
-          <p:nvPr/>
-        </p:nvSpPr>
-        <p:spPr>
-          <a:xfrm>
-            <a:off x="457200" y="1371600"/>
-            <a:ext cx="8229600" cy="4114800"/>
-          </a:xfrm>
-          <a:prstGeom prst="rect">
-            <a:avLst/>
-          </a:prstGeom>
-          <a:solidFill>
-            <a:srgbClr val="FFFFFF"/>
-          </a:solidFill>
-        </p:spPr>
-        <p:style>
-          <a:lnRef idx="1">
-            <a:schemeClr val="accent1"/>
-          </a:lnRef>
-          <a:fillRef idx="3">
-            <a:schemeClr val="accent1"/>
-          </a:fillRef>
-          <a:effectRef idx="2">
-            <a:schemeClr val="accent1"/>
-          </a:effectRef>
-          <a:fontRef idx="minor">
-            <a:schemeClr val="lt1"/>
-          </a:fontRef>
-        </p:style>
-        <p:txBody>
-          <a:bodyPr rtlCol="0" anchor="ctr"/>
-          <a:lstStyle/>
-          <a:p>
-            <a:pPr algn="ctr"/>
-            <a:endParaRPr dirty="0"/>
-          </a:p>
-        </p:txBody>
-      </p:sp>
-      <p:sp>
-        <p:nvSpPr>
-          <p:cNvPr id="5" name="TextBox 4">
-            <a:extLst>
-              <a:ext uri="{FF2B5EF4-FFF2-40B4-BE49-F238E27FC236}">
-                <a16:creationId xmlns:a16="http://schemas.microsoft.com/office/drawing/2014/main" id="{2E4E5C5D-AEC0-0F09-3625-1934FF16E143}"/>
-              </a:ext>
-            </a:extLst>
-          </p:cNvPr>
-          <p:cNvSpPr txBox="1"/>
-          <p:nvPr/>
-        </p:nvSpPr>
-        <p:spPr>
-          <a:xfrm>
-            <a:off x="457200" y="6400800"/>
-            <a:ext cx="8229600" cy="274320"/>
-          </a:xfrm>
-          <a:prstGeom prst="rect">
-            <a:avLst/>
-          </a:prstGeom>
-          <a:noFill/>
-        </p:spPr>
-        <p:txBody>
-          <a:bodyPr wrap="none">
-            <a:spAutoFit/>
-          </a:bodyPr>
-          <a:lstStyle/>
-          <a:p>
-            <a:pPr algn="ctr">
-              <a:defRPr sz="1400">
-                <a:solidFill>
-                  <a:srgbClr val="FFDF00"/>
-                </a:solidFill>
-              </a:defRPr>
-            </a:pPr>
-            <a:r>
-              <a:t>Visvesvaraya National Institute of Technology (VNIT), Nagpur</a:t>
-            </a:r>
-          </a:p>
-        </p:txBody>
-      </p:sp>
-      <p:sp>
-        <p:nvSpPr>
-          <p:cNvPr id="6" name="Rectangle 5">
-            <a:extLst>
-              <a:ext uri="{FF2B5EF4-FFF2-40B4-BE49-F238E27FC236}">
-                <a16:creationId xmlns:a16="http://schemas.microsoft.com/office/drawing/2014/main" id="{19FB1B12-20B1-527D-3812-92025395E940}"/>
-              </a:ext>
-            </a:extLst>
-          </p:cNvPr>
-          <p:cNvSpPr/>
-          <p:nvPr/>
-        </p:nvSpPr>
-        <p:spPr>
-          <a:xfrm>
-            <a:off x="0" y="0"/>
-            <a:ext cx="9144000" cy="457200"/>
-          </a:xfrm>
-          <a:prstGeom prst="rect">
-            <a:avLst/>
-          </a:prstGeom>
-          <a:solidFill>
-            <a:srgbClr val="003366"/>
-          </a:solidFill>
-          <a:ln>
-            <a:solidFill>
-              <a:srgbClr val="FFDF00"/>
-            </a:solidFill>
-          </a:ln>
-        </p:spPr>
-        <p:style>
-          <a:lnRef idx="1">
-            <a:schemeClr val="accent1"/>
-          </a:lnRef>
-          <a:fillRef idx="3">
-            <a:schemeClr val="accent1"/>
-          </a:fillRef>
-          <a:effectRef idx="2">
-            <a:schemeClr val="accent1"/>
-          </a:effectRef>
-          <a:fontRef idx="minor">
-            <a:schemeClr val="lt1"/>
-          </a:fontRef>
-        </p:style>
-        <p:txBody>
-          <a:bodyPr rtlCol="0" anchor="ctr"/>
-          <a:lstStyle/>
-          <a:p>
-            <a:pPr algn="ctr"/>
-            <a:endParaRPr/>
-          </a:p>
-        </p:txBody>
-      </p:sp>
-      <p:sp>
-        <p:nvSpPr>
-          <p:cNvPr id="7" name="TextBox 6">
-            <a:extLst>
-              <a:ext uri="{FF2B5EF4-FFF2-40B4-BE49-F238E27FC236}">
-                <a16:creationId xmlns:a16="http://schemas.microsoft.com/office/drawing/2014/main" id="{81F9D9A1-07A8-DDFE-1CD5-D0D755D7A26D}"/>
-              </a:ext>
-            </a:extLst>
-          </p:cNvPr>
-          <p:cNvSpPr txBox="1"/>
-          <p:nvPr/>
-        </p:nvSpPr>
-        <p:spPr>
-          <a:xfrm>
-            <a:off x="0" y="0"/>
-            <a:ext cx="9144000" cy="457200"/>
-          </a:xfrm>
-          <a:prstGeom prst="rect">
-            <a:avLst/>
-          </a:prstGeom>
-          <a:noFill/>
-        </p:spPr>
-        <p:txBody>
-          <a:bodyPr wrap="none">
-            <a:spAutoFit/>
-          </a:bodyPr>
-          <a:lstStyle/>
-          <a:p>
-            <a:pPr algn="ctr">
-              <a:defRPr sz="1400">
-                <a:solidFill>
-                  <a:srgbClr val="FFFFFF"/>
-                </a:solidFill>
-              </a:defRPr>
-            </a:pPr>
-            <a:r>
-              <a:t>Visvesvaraya National Institute of Technology (VNIT), Nagpur</a:t>
-            </a:r>
-          </a:p>
-        </p:txBody>
-      </p:sp>
-      <p:sp>
-        <p:nvSpPr>
-          <p:cNvPr id="8" name="Rectangle 7">
-            <a:extLst>
-              <a:ext uri="{FF2B5EF4-FFF2-40B4-BE49-F238E27FC236}">
-                <a16:creationId xmlns:a16="http://schemas.microsoft.com/office/drawing/2014/main" id="{1A8B66BC-CA48-BA3A-66D3-BCAC3E7297CB}"/>
-              </a:ext>
-            </a:extLst>
-          </p:cNvPr>
-          <p:cNvSpPr/>
-          <p:nvPr/>
-        </p:nvSpPr>
-        <p:spPr>
-          <a:xfrm>
-            <a:off x="0" y="6400800"/>
-            <a:ext cx="9144000" cy="274320"/>
-          </a:xfrm>
-          <a:prstGeom prst="rect">
-            <a:avLst/>
-          </a:prstGeom>
-          <a:solidFill>
-            <a:srgbClr val="FFDF00"/>
-          </a:solidFill>
-          <a:ln>
-            <a:solidFill>
-              <a:srgbClr val="003366"/>
-            </a:solidFill>
-          </a:ln>
-        </p:spPr>
-        <p:style>
-          <a:lnRef idx="1">
-            <a:schemeClr val="accent1"/>
-          </a:lnRef>
-          <a:fillRef idx="3">
-            <a:schemeClr val="accent1"/>
-          </a:fillRef>
-          <a:effectRef idx="2">
-            <a:schemeClr val="accent1"/>
-          </a:effectRef>
-          <a:fontRef idx="minor">
-            <a:schemeClr val="lt1"/>
-          </a:fontRef>
-        </p:style>
-        <p:txBody>
-          <a:bodyPr rtlCol="0" anchor="ctr"/>
-          <a:lstStyle/>
-          <a:p>
-            <a:pPr algn="ctr"/>
-            <a:endParaRPr/>
-          </a:p>
-        </p:txBody>
-      </p:sp>
-      <p:sp>
-        <p:nvSpPr>
-          <p:cNvPr id="4" name="TextBox 3">
-            <a:extLst>
-              <a:ext uri="{FF2B5EF4-FFF2-40B4-BE49-F238E27FC236}">
-                <a16:creationId xmlns:a16="http://schemas.microsoft.com/office/drawing/2014/main" id="{78E35261-D2EB-A921-0B11-2E233E0DBCC4}"/>
-              </a:ext>
-            </a:extLst>
-          </p:cNvPr>
-          <p:cNvSpPr txBox="1"/>
-          <p:nvPr/>
-        </p:nvSpPr>
-        <p:spPr>
-          <a:xfrm>
-            <a:off x="457200" y="1374631"/>
-            <a:ext cx="8116529" cy="2126864"/>
-          </a:xfrm>
-          <a:prstGeom prst="rect">
-            <a:avLst/>
-          </a:prstGeom>
-          <a:noFill/>
-        </p:spPr>
-        <p:txBody>
-          <a:bodyPr wrap="square" rtlCol="0">
-            <a:spAutoFit/>
-          </a:bodyPr>
-          <a:lstStyle/>
-          <a:p>
-            <a:pPr>
-              <a:lnSpc>
-                <a:spcPct val="150000"/>
-              </a:lnSpc>
-            </a:pPr>
-            <a:r>
-              <a:rPr lang="en-US" b="1" dirty="0"/>
-              <a:t>Horizontal Projection Visualization:</a:t>
-            </a:r>
-          </a:p>
-          <a:p>
-            <a:pPr marL="742950" lvl="1" indent="-285750">
-              <a:lnSpc>
-                <a:spcPct val="150000"/>
-              </a:lnSpc>
-              <a:buFont typeface="Wingdings" panose="05000000000000000000" pitchFamily="2" charset="2"/>
-              <a:buChar char="Ø"/>
-            </a:pPr>
-            <a:r>
-              <a:rPr lang="en-US" dirty="0"/>
-              <a:t>Plot the binary image and its horizontal projection side by side to explain how regions are detected.</a:t>
-            </a:r>
-          </a:p>
-          <a:p>
-            <a:pPr>
-              <a:lnSpc>
-                <a:spcPct val="150000"/>
-              </a:lnSpc>
-            </a:pPr>
-            <a:r>
-              <a:rPr lang="en-US" b="1" dirty="0"/>
-              <a:t>Signal Region Visualization:</a:t>
-            </a:r>
-          </a:p>
-          <a:p>
-            <a:pPr marL="742950" lvl="1" indent="-285750">
-              <a:lnSpc>
-                <a:spcPct val="150000"/>
-              </a:lnSpc>
-              <a:buFont typeface="Wingdings" panose="05000000000000000000" pitchFamily="2" charset="2"/>
-              <a:buChar char="Ø"/>
-            </a:pPr>
-            <a:r>
-              <a:rPr lang="en-US" dirty="0"/>
-              <a:t>Overlay rectangles on the original image to highlight detected signal regions.</a:t>
-            </a:r>
-          </a:p>
-        </p:txBody>
-      </p:sp>
-      <p:pic>
-        <p:nvPicPr>
-          <p:cNvPr id="10" name="Picture 9">
-            <a:extLst>
-              <a:ext uri="{FF2B5EF4-FFF2-40B4-BE49-F238E27FC236}">
-                <a16:creationId xmlns:a16="http://schemas.microsoft.com/office/drawing/2014/main" id="{9CF7E2E3-1CD5-0DAF-DF2B-8BF453D8382B}"/>
-              </a:ext>
-            </a:extLst>
-          </p:cNvPr>
-          <p:cNvPicPr>
-            <a:picLocks noChangeAspect="1"/>
-          </p:cNvPicPr>
-          <p:nvPr/>
-        </p:nvPicPr>
-        <p:blipFill>
-          <a:blip r:embed="rId2"/>
-          <a:stretch>
-            <a:fillRect/>
-          </a:stretch>
-        </p:blipFill>
-        <p:spPr>
-          <a:xfrm>
-            <a:off x="511863" y="3501495"/>
-            <a:ext cx="3555229" cy="1981874"/>
-          </a:xfrm>
-          <a:prstGeom prst="rect">
-            <a:avLst/>
-          </a:prstGeom>
-        </p:spPr>
-      </p:pic>
-      <p:pic>
-        <p:nvPicPr>
-          <p:cNvPr id="12" name="Picture 11">
-            <a:extLst>
-              <a:ext uri="{FF2B5EF4-FFF2-40B4-BE49-F238E27FC236}">
-                <a16:creationId xmlns:a16="http://schemas.microsoft.com/office/drawing/2014/main" id="{68C95828-D6F4-FA5B-F954-DA752AF408C9}"/>
-              </a:ext>
-            </a:extLst>
-          </p:cNvPr>
-          <p:cNvPicPr>
-            <a:picLocks noChangeAspect="1"/>
-          </p:cNvPicPr>
-          <p:nvPr/>
-        </p:nvPicPr>
-        <p:blipFill>
-          <a:blip r:embed="rId3"/>
-          <a:stretch>
-            <a:fillRect/>
-          </a:stretch>
-        </p:blipFill>
-        <p:spPr>
-          <a:xfrm>
-            <a:off x="4121755" y="3490755"/>
-            <a:ext cx="4271082" cy="1992613"/>
-          </a:xfrm>
-          <a:prstGeom prst="rect">
-            <a:avLst/>
-          </a:prstGeom>
-        </p:spPr>
-      </p:pic>
-    </p:spTree>
-    <p:extLst>
-      <p:ext uri="{BB962C8B-B14F-4D97-AF65-F5344CB8AC3E}">
-        <p14:creationId xmlns:p14="http://schemas.microsoft.com/office/powerpoint/2010/main" val="3924055458"/>
-      </p:ext>
-    </p:extLst>
-  </p:cSld>
-  <p:clrMapOvr>
-    <a:masterClrMapping/>
-  </p:clrMapOvr>
-</p:sld>
-</file>
-
-<file path=ppt/slides/slide19.xml><?xml version="1.0" encoding="utf-8"?>
-<p:sld xmlns:a="http://schemas.openxmlformats.org/drawingml/2006/main" xmlns:r="http://schemas.openxmlformats.org/officeDocument/2006/relationships" xmlns:p="http://schemas.openxmlformats.org/presentationml/2006/main">
-  <p:cSld>
-    <p:bg>
-      <p:bgPr>
-        <a:gradFill rotWithShape="1">
-          <a:gsLst>
-            <a:gs pos="0">
-              <a:srgbClr val="003366"/>
-            </a:gs>
-            <a:gs pos="100000">
-              <a:srgbClr val="0099FF"/>
-            </a:gs>
-          </a:gsLst>
-          <a:lin scaled="0"/>
-        </a:gradFill>
-        <a:effectLst/>
-      </p:bgPr>
-    </p:bg>
-    <p:spTree>
-      <p:nvGrpSpPr>
-        <p:cNvPr id="1" name="">
-          <a:extLst>
-            <a:ext uri="{FF2B5EF4-FFF2-40B4-BE49-F238E27FC236}">
-              <a16:creationId xmlns:a16="http://schemas.microsoft.com/office/drawing/2014/main" id="{88DC34EF-3BD2-61EC-17B0-C9D8A391455F}"/>
-            </a:ext>
-          </a:extLst>
-        </p:cNvPr>
-        <p:cNvGrpSpPr/>
-        <p:nvPr/>
-      </p:nvGrpSpPr>
-      <p:grpSpPr>
-        <a:xfrm>
-          <a:off x="0" y="0"/>
-          <a:ext cx="0" cy="0"/>
-          <a:chOff x="0" y="0"/>
-          <a:chExt cx="0" cy="0"/>
-        </a:xfrm>
-      </p:grpSpPr>
-      <p:sp>
-        <p:nvSpPr>
-          <p:cNvPr id="2" name="Title 1">
-            <a:extLst>
-              <a:ext uri="{FF2B5EF4-FFF2-40B4-BE49-F238E27FC236}">
-                <a16:creationId xmlns:a16="http://schemas.microsoft.com/office/drawing/2014/main" id="{D47C6935-94D1-9BD0-BDAF-8D3CC0A755F7}"/>
-              </a:ext>
-            </a:extLst>
-          </p:cNvPr>
-          <p:cNvSpPr>
-            <a:spLocks noGrp="1"/>
-          </p:cNvSpPr>
-          <p:nvPr>
-            <p:ph type="title"/>
-          </p:nvPr>
-        </p:nvSpPr>
-        <p:spPr/>
-        <p:txBody>
-          <a:bodyPr/>
-          <a:lstStyle/>
-          <a:p>
-            <a:pPr>
-              <a:defRPr sz="3000">
-                <a:solidFill>
-                  <a:srgbClr val="FFDF00"/>
-                </a:solidFill>
-              </a:defRPr>
-            </a:pPr>
-            <a:r>
-              <a:rPr lang="en-IN" dirty="0"/>
-              <a:t>Signal </a:t>
-            </a:r>
-            <a:r>
-              <a:rPr lang="en-IN" dirty="0" err="1"/>
-              <a:t>Labeling</a:t>
-            </a:r>
-            <a:endParaRPr lang="en-IN" dirty="0"/>
-          </a:p>
-        </p:txBody>
-      </p:sp>
-      <p:sp>
-        <p:nvSpPr>
-          <p:cNvPr id="3" name="Rectangle 2">
-            <a:extLst>
-              <a:ext uri="{FF2B5EF4-FFF2-40B4-BE49-F238E27FC236}">
-                <a16:creationId xmlns:a16="http://schemas.microsoft.com/office/drawing/2014/main" id="{08D422B2-5BB9-E286-6273-4570866022A5}"/>
-              </a:ext>
-            </a:extLst>
-          </p:cNvPr>
-          <p:cNvSpPr/>
-          <p:nvPr/>
-        </p:nvSpPr>
-        <p:spPr>
-          <a:xfrm>
-            <a:off x="457200" y="1371600"/>
-            <a:ext cx="8229600" cy="4114800"/>
-          </a:xfrm>
-          <a:prstGeom prst="rect">
-            <a:avLst/>
-          </a:prstGeom>
-          <a:solidFill>
-            <a:srgbClr val="FFFFFF"/>
-          </a:solidFill>
-        </p:spPr>
-        <p:style>
-          <a:lnRef idx="1">
-            <a:schemeClr val="accent1"/>
-          </a:lnRef>
-          <a:fillRef idx="3">
-            <a:schemeClr val="accent1"/>
-          </a:fillRef>
-          <a:effectRef idx="2">
-            <a:schemeClr val="accent1"/>
-          </a:effectRef>
-          <a:fontRef idx="minor">
-            <a:schemeClr val="lt1"/>
-          </a:fontRef>
-        </p:style>
-        <p:txBody>
-          <a:bodyPr rtlCol="0" anchor="ctr"/>
-          <a:lstStyle/>
-          <a:p>
-            <a:pPr algn="ctr"/>
-            <a:endParaRPr dirty="0"/>
-          </a:p>
-        </p:txBody>
-      </p:sp>
-      <p:sp>
-        <p:nvSpPr>
-          <p:cNvPr id="5" name="TextBox 4">
-            <a:extLst>
-              <a:ext uri="{FF2B5EF4-FFF2-40B4-BE49-F238E27FC236}">
-                <a16:creationId xmlns:a16="http://schemas.microsoft.com/office/drawing/2014/main" id="{A0A18EBA-7D37-1F09-AA89-DA956BA2C70C}"/>
-              </a:ext>
-            </a:extLst>
-          </p:cNvPr>
-          <p:cNvSpPr txBox="1"/>
-          <p:nvPr/>
-        </p:nvSpPr>
-        <p:spPr>
-          <a:xfrm>
-            <a:off x="457200" y="6400800"/>
-            <a:ext cx="8229600" cy="274320"/>
-          </a:xfrm>
-          <a:prstGeom prst="rect">
-            <a:avLst/>
-          </a:prstGeom>
-          <a:noFill/>
-        </p:spPr>
-        <p:txBody>
-          <a:bodyPr wrap="none">
-            <a:spAutoFit/>
-          </a:bodyPr>
-          <a:lstStyle/>
-          <a:p>
-            <a:pPr algn="ctr">
-              <a:defRPr sz="1400">
-                <a:solidFill>
-                  <a:srgbClr val="FFDF00"/>
-                </a:solidFill>
-              </a:defRPr>
-            </a:pPr>
-            <a:r>
-              <a:t>Visvesvaraya National Institute of Technology (VNIT), Nagpur</a:t>
-            </a:r>
-          </a:p>
-        </p:txBody>
-      </p:sp>
-      <p:sp>
-        <p:nvSpPr>
-          <p:cNvPr id="6" name="Rectangle 5">
-            <a:extLst>
-              <a:ext uri="{FF2B5EF4-FFF2-40B4-BE49-F238E27FC236}">
-                <a16:creationId xmlns:a16="http://schemas.microsoft.com/office/drawing/2014/main" id="{6AC5ED91-4919-F835-48AA-C09D241272E8}"/>
-              </a:ext>
-            </a:extLst>
-          </p:cNvPr>
-          <p:cNvSpPr/>
-          <p:nvPr/>
-        </p:nvSpPr>
-        <p:spPr>
-          <a:xfrm>
-            <a:off x="0" y="0"/>
-            <a:ext cx="9144000" cy="457200"/>
-          </a:xfrm>
-          <a:prstGeom prst="rect">
-            <a:avLst/>
-          </a:prstGeom>
-          <a:solidFill>
-            <a:srgbClr val="003366"/>
-          </a:solidFill>
-          <a:ln>
-            <a:solidFill>
-              <a:srgbClr val="FFDF00"/>
-            </a:solidFill>
-          </a:ln>
-        </p:spPr>
-        <p:style>
-          <a:lnRef idx="1">
-            <a:schemeClr val="accent1"/>
-          </a:lnRef>
-          <a:fillRef idx="3">
-            <a:schemeClr val="accent1"/>
-          </a:fillRef>
-          <a:effectRef idx="2">
-            <a:schemeClr val="accent1"/>
-          </a:effectRef>
-          <a:fontRef idx="minor">
-            <a:schemeClr val="lt1"/>
-          </a:fontRef>
-        </p:style>
-        <p:txBody>
-          <a:bodyPr rtlCol="0" anchor="ctr"/>
-          <a:lstStyle/>
-          <a:p>
-            <a:pPr algn="ctr"/>
-            <a:endParaRPr/>
-          </a:p>
-        </p:txBody>
-      </p:sp>
-      <p:sp>
-        <p:nvSpPr>
-          <p:cNvPr id="7" name="TextBox 6">
-            <a:extLst>
-              <a:ext uri="{FF2B5EF4-FFF2-40B4-BE49-F238E27FC236}">
-                <a16:creationId xmlns:a16="http://schemas.microsoft.com/office/drawing/2014/main" id="{B79CF2B0-E57B-4B01-AF8C-6C9FCFD6A372}"/>
-              </a:ext>
-            </a:extLst>
-          </p:cNvPr>
-          <p:cNvSpPr txBox="1"/>
-          <p:nvPr/>
-        </p:nvSpPr>
-        <p:spPr>
-          <a:xfrm>
-            <a:off x="0" y="0"/>
-            <a:ext cx="9144000" cy="457200"/>
-          </a:xfrm>
-          <a:prstGeom prst="rect">
-            <a:avLst/>
-          </a:prstGeom>
-          <a:noFill/>
-        </p:spPr>
-        <p:txBody>
-          <a:bodyPr wrap="none">
-            <a:spAutoFit/>
-          </a:bodyPr>
-          <a:lstStyle/>
-          <a:p>
-            <a:pPr algn="ctr">
-              <a:defRPr sz="1400">
-                <a:solidFill>
-                  <a:srgbClr val="FFFFFF"/>
-                </a:solidFill>
-              </a:defRPr>
-            </a:pPr>
-            <a:r>
-              <a:t>Visvesvaraya National Institute of Technology (VNIT), Nagpur</a:t>
-            </a:r>
-          </a:p>
-        </p:txBody>
-      </p:sp>
-      <p:sp>
-        <p:nvSpPr>
-          <p:cNvPr id="8" name="Rectangle 7">
-            <a:extLst>
-              <a:ext uri="{FF2B5EF4-FFF2-40B4-BE49-F238E27FC236}">
-                <a16:creationId xmlns:a16="http://schemas.microsoft.com/office/drawing/2014/main" id="{4488C634-5105-2D88-C7D0-C856B3CE64E0}"/>
-              </a:ext>
-            </a:extLst>
-          </p:cNvPr>
-          <p:cNvSpPr/>
-          <p:nvPr/>
-        </p:nvSpPr>
-        <p:spPr>
-          <a:xfrm>
-            <a:off x="0" y="6400800"/>
-            <a:ext cx="9144000" cy="274320"/>
-          </a:xfrm>
-          <a:prstGeom prst="rect">
-            <a:avLst/>
-          </a:prstGeom>
-          <a:solidFill>
-            <a:srgbClr val="FFDF00"/>
-          </a:solidFill>
-          <a:ln>
-            <a:solidFill>
-              <a:srgbClr val="003366"/>
-            </a:solidFill>
-          </a:ln>
-        </p:spPr>
-        <p:style>
-          <a:lnRef idx="1">
-            <a:schemeClr val="accent1"/>
-          </a:lnRef>
-          <a:fillRef idx="3">
-            <a:schemeClr val="accent1"/>
-          </a:fillRef>
-          <a:effectRef idx="2">
-            <a:schemeClr val="accent1"/>
-          </a:effectRef>
-          <a:fontRef idx="minor">
-            <a:schemeClr val="lt1"/>
-          </a:fontRef>
-        </p:style>
-        <p:txBody>
-          <a:bodyPr rtlCol="0" anchor="ctr"/>
-          <a:lstStyle/>
-          <a:p>
-            <a:pPr algn="ctr"/>
-            <a:endParaRPr/>
-          </a:p>
-        </p:txBody>
-      </p:sp>
-      <p:sp>
-        <p:nvSpPr>
-          <p:cNvPr id="4" name="TextBox 3">
-            <a:extLst>
-              <a:ext uri="{FF2B5EF4-FFF2-40B4-BE49-F238E27FC236}">
-                <a16:creationId xmlns:a16="http://schemas.microsoft.com/office/drawing/2014/main" id="{21F15F8C-E904-1E33-56E7-D7600109719A}"/>
-              </a:ext>
-            </a:extLst>
-          </p:cNvPr>
-          <p:cNvSpPr txBox="1"/>
-          <p:nvPr/>
-        </p:nvSpPr>
-        <p:spPr>
-          <a:xfrm>
-            <a:off x="733935" y="1520524"/>
-            <a:ext cx="8116529" cy="1711366"/>
-          </a:xfrm>
-          <a:prstGeom prst="rect">
-            <a:avLst/>
-          </a:prstGeom>
-          <a:noFill/>
-        </p:spPr>
-        <p:txBody>
-          <a:bodyPr wrap="square" rtlCol="0">
-            <a:spAutoFit/>
-          </a:bodyPr>
-          <a:lstStyle/>
-          <a:p>
-            <a:pPr>
-              <a:lnSpc>
-                <a:spcPct val="150000"/>
-              </a:lnSpc>
-            </a:pPr>
-            <a:r>
-              <a:rPr lang="en-US" b="1" dirty="0"/>
-              <a:t>Goal: </a:t>
-            </a:r>
-            <a:r>
-              <a:rPr lang="en-US" dirty="0"/>
-              <a:t>Identify and label each signal using Optical Character Recognition (OCR).</a:t>
-            </a:r>
-          </a:p>
-          <a:p>
-            <a:pPr>
-              <a:lnSpc>
-                <a:spcPct val="150000"/>
-              </a:lnSpc>
-            </a:pPr>
-            <a:r>
-              <a:rPr lang="en-US" b="1" dirty="0"/>
-              <a:t>Steps:</a:t>
-            </a:r>
-          </a:p>
-          <a:p>
-            <a:pPr marL="742950" lvl="1" indent="-285750">
-              <a:lnSpc>
-                <a:spcPct val="150000"/>
-              </a:lnSpc>
-              <a:buFont typeface="Wingdings" panose="05000000000000000000" pitchFamily="2" charset="2"/>
-              <a:buChar char="Ø"/>
-            </a:pPr>
-            <a:r>
-              <a:rPr lang="en-US" dirty="0"/>
-              <a:t>Use </a:t>
-            </a:r>
-            <a:r>
-              <a:rPr lang="en-US" dirty="0" err="1"/>
-              <a:t>easyocr</a:t>
-            </a:r>
-            <a:r>
-              <a:rPr lang="en-US" dirty="0"/>
-              <a:t> to extract textual information from each signal region.</a:t>
-            </a:r>
-          </a:p>
-          <a:p>
-            <a:pPr marL="742950" lvl="1" indent="-285750">
-              <a:lnSpc>
-                <a:spcPct val="150000"/>
-              </a:lnSpc>
-              <a:buFont typeface="Wingdings" panose="05000000000000000000" pitchFamily="2" charset="2"/>
-              <a:buChar char="Ø"/>
-            </a:pPr>
-            <a:r>
-              <a:rPr lang="en-US" dirty="0"/>
-              <a:t>If OCR fails, fallback to a default label like "</a:t>
-            </a:r>
-            <a:r>
-              <a:rPr lang="en-US" dirty="0" err="1"/>
-              <a:t>Signal_X</a:t>
-            </a:r>
-            <a:r>
-              <a:rPr lang="en-US" dirty="0"/>
-              <a:t>."</a:t>
-            </a:r>
-          </a:p>
-        </p:txBody>
-      </p:sp>
-      <p:pic>
-        <p:nvPicPr>
-          <p:cNvPr id="10" name="Picture 9">
-            <a:extLst>
-              <a:ext uri="{FF2B5EF4-FFF2-40B4-BE49-F238E27FC236}">
-                <a16:creationId xmlns:a16="http://schemas.microsoft.com/office/drawing/2014/main" id="{E972A465-5760-CD77-E5C1-DEACA2B89A2B}"/>
-              </a:ext>
-            </a:extLst>
-          </p:cNvPr>
-          <p:cNvPicPr>
-            <a:picLocks noChangeAspect="1"/>
-          </p:cNvPicPr>
-          <p:nvPr/>
-        </p:nvPicPr>
-        <p:blipFill>
-          <a:blip r:embed="rId2"/>
-          <a:stretch>
-            <a:fillRect/>
-          </a:stretch>
-        </p:blipFill>
-        <p:spPr>
-          <a:xfrm>
-            <a:off x="1422944" y="3334777"/>
-            <a:ext cx="6081287" cy="1722269"/>
-          </a:xfrm>
-          <a:prstGeom prst="rect">
-            <a:avLst/>
-          </a:prstGeom>
-        </p:spPr>
-      </p:pic>
-    </p:spTree>
-    <p:extLst>
-      <p:ext uri="{BB962C8B-B14F-4D97-AF65-F5344CB8AC3E}">
-        <p14:creationId xmlns:p14="http://schemas.microsoft.com/office/powerpoint/2010/main" val="4229989730"/>
-      </p:ext>
-    </p:extLst>
-  </p:cSld>
-  <p:clrMapOvr>
-    <a:masterClrMapping/>
-  </p:clrMapOvr>
-</p:sld>
-</file>
-
 <file path=ppt/slides/slide2.xml><?xml version="1.0" encoding="utf-8"?>
 <p:sld xmlns:a="http://schemas.openxmlformats.org/drawingml/2006/main" xmlns:r="http://schemas.openxmlformats.org/officeDocument/2006/relationships" xmlns:p="http://schemas.openxmlformats.org/presentationml/2006/main">
   <p:cSld>
@@ -8428,2562 +5643,6 @@
         </p:txBody>
       </p:sp>
     </p:spTree>
-  </p:cSld>
-  <p:clrMapOvr>
-    <a:masterClrMapping/>
-  </p:clrMapOvr>
-</p:sld>
-</file>
-
-<file path=ppt/slides/slide20.xml><?xml version="1.0" encoding="utf-8"?>
-<p:sld xmlns:a="http://schemas.openxmlformats.org/drawingml/2006/main" xmlns:r="http://schemas.openxmlformats.org/officeDocument/2006/relationships" xmlns:p="http://schemas.openxmlformats.org/presentationml/2006/main">
-  <p:cSld>
-    <p:bg>
-      <p:bgPr>
-        <a:gradFill rotWithShape="1">
-          <a:gsLst>
-            <a:gs pos="0">
-              <a:srgbClr val="003366"/>
-            </a:gs>
-            <a:gs pos="100000">
-              <a:srgbClr val="0099FF"/>
-            </a:gs>
-          </a:gsLst>
-          <a:lin scaled="0"/>
-        </a:gradFill>
-        <a:effectLst/>
-      </p:bgPr>
-    </p:bg>
-    <p:spTree>
-      <p:nvGrpSpPr>
-        <p:cNvPr id="1" name="">
-          <a:extLst>
-            <a:ext uri="{FF2B5EF4-FFF2-40B4-BE49-F238E27FC236}">
-              <a16:creationId xmlns:a16="http://schemas.microsoft.com/office/drawing/2014/main" id="{A37C8211-BDC8-2375-B88B-05274D438314}"/>
-            </a:ext>
-          </a:extLst>
-        </p:cNvPr>
-        <p:cNvGrpSpPr/>
-        <p:nvPr/>
-      </p:nvGrpSpPr>
-      <p:grpSpPr>
-        <a:xfrm>
-          <a:off x="0" y="0"/>
-          <a:ext cx="0" cy="0"/>
-          <a:chOff x="0" y="0"/>
-          <a:chExt cx="0" cy="0"/>
-        </a:xfrm>
-      </p:grpSpPr>
-      <p:sp>
-        <p:nvSpPr>
-          <p:cNvPr id="2" name="Title 1">
-            <a:extLst>
-              <a:ext uri="{FF2B5EF4-FFF2-40B4-BE49-F238E27FC236}">
-                <a16:creationId xmlns:a16="http://schemas.microsoft.com/office/drawing/2014/main" id="{EEFC992D-840F-0B92-53FB-ADB1B011D26B}"/>
-              </a:ext>
-            </a:extLst>
-          </p:cNvPr>
-          <p:cNvSpPr>
-            <a:spLocks noGrp="1"/>
-          </p:cNvSpPr>
-          <p:nvPr>
-            <p:ph type="title"/>
-          </p:nvPr>
-        </p:nvSpPr>
-        <p:spPr/>
-        <p:txBody>
-          <a:bodyPr/>
-          <a:lstStyle/>
-          <a:p>
-            <a:pPr>
-              <a:defRPr sz="3000">
-                <a:solidFill>
-                  <a:srgbClr val="FFDF00"/>
-                </a:solidFill>
-              </a:defRPr>
-            </a:pPr>
-            <a:r>
-              <a:rPr lang="en-IN" dirty="0"/>
-              <a:t>Signal Transition Analysis</a:t>
-            </a:r>
-          </a:p>
-        </p:txBody>
-      </p:sp>
-      <p:sp>
-        <p:nvSpPr>
-          <p:cNvPr id="3" name="Rectangle 2">
-            <a:extLst>
-              <a:ext uri="{FF2B5EF4-FFF2-40B4-BE49-F238E27FC236}">
-                <a16:creationId xmlns:a16="http://schemas.microsoft.com/office/drawing/2014/main" id="{004C797C-B3A8-29A7-5909-4F8A3F70BD38}"/>
-              </a:ext>
-            </a:extLst>
-          </p:cNvPr>
-          <p:cNvSpPr/>
-          <p:nvPr/>
-        </p:nvSpPr>
-        <p:spPr>
-          <a:xfrm>
-            <a:off x="457200" y="1371600"/>
-            <a:ext cx="8229600" cy="4114800"/>
-          </a:xfrm>
-          <a:prstGeom prst="rect">
-            <a:avLst/>
-          </a:prstGeom>
-          <a:solidFill>
-            <a:srgbClr val="FFFFFF"/>
-          </a:solidFill>
-        </p:spPr>
-        <p:style>
-          <a:lnRef idx="1">
-            <a:schemeClr val="accent1"/>
-          </a:lnRef>
-          <a:fillRef idx="3">
-            <a:schemeClr val="accent1"/>
-          </a:fillRef>
-          <a:effectRef idx="2">
-            <a:schemeClr val="accent1"/>
-          </a:effectRef>
-          <a:fontRef idx="minor">
-            <a:schemeClr val="lt1"/>
-          </a:fontRef>
-        </p:style>
-        <p:txBody>
-          <a:bodyPr rtlCol="0" anchor="ctr"/>
-          <a:lstStyle/>
-          <a:p>
-            <a:pPr algn="ctr"/>
-            <a:endParaRPr dirty="0"/>
-          </a:p>
-        </p:txBody>
-      </p:sp>
-      <p:sp>
-        <p:nvSpPr>
-          <p:cNvPr id="5" name="TextBox 4">
-            <a:extLst>
-              <a:ext uri="{FF2B5EF4-FFF2-40B4-BE49-F238E27FC236}">
-                <a16:creationId xmlns:a16="http://schemas.microsoft.com/office/drawing/2014/main" id="{7DF9FFBE-B35E-E6AE-DE19-E963B578BDAC}"/>
-              </a:ext>
-            </a:extLst>
-          </p:cNvPr>
-          <p:cNvSpPr txBox="1"/>
-          <p:nvPr/>
-        </p:nvSpPr>
-        <p:spPr>
-          <a:xfrm>
-            <a:off x="457200" y="6400800"/>
-            <a:ext cx="8229600" cy="274320"/>
-          </a:xfrm>
-          <a:prstGeom prst="rect">
-            <a:avLst/>
-          </a:prstGeom>
-          <a:noFill/>
-        </p:spPr>
-        <p:txBody>
-          <a:bodyPr wrap="none">
-            <a:spAutoFit/>
-          </a:bodyPr>
-          <a:lstStyle/>
-          <a:p>
-            <a:pPr algn="ctr">
-              <a:defRPr sz="1400">
-                <a:solidFill>
-                  <a:srgbClr val="FFDF00"/>
-                </a:solidFill>
-              </a:defRPr>
-            </a:pPr>
-            <a:r>
-              <a:t>Visvesvaraya National Institute of Technology (VNIT), Nagpur</a:t>
-            </a:r>
-          </a:p>
-        </p:txBody>
-      </p:sp>
-      <p:sp>
-        <p:nvSpPr>
-          <p:cNvPr id="6" name="Rectangle 5">
-            <a:extLst>
-              <a:ext uri="{FF2B5EF4-FFF2-40B4-BE49-F238E27FC236}">
-                <a16:creationId xmlns:a16="http://schemas.microsoft.com/office/drawing/2014/main" id="{F9F570E1-A4C1-CEAE-1766-26175FBD1B99}"/>
-              </a:ext>
-            </a:extLst>
-          </p:cNvPr>
-          <p:cNvSpPr/>
-          <p:nvPr/>
-        </p:nvSpPr>
-        <p:spPr>
-          <a:xfrm>
-            <a:off x="0" y="0"/>
-            <a:ext cx="9144000" cy="457200"/>
-          </a:xfrm>
-          <a:prstGeom prst="rect">
-            <a:avLst/>
-          </a:prstGeom>
-          <a:solidFill>
-            <a:srgbClr val="003366"/>
-          </a:solidFill>
-          <a:ln>
-            <a:solidFill>
-              <a:srgbClr val="FFDF00"/>
-            </a:solidFill>
-          </a:ln>
-        </p:spPr>
-        <p:style>
-          <a:lnRef idx="1">
-            <a:schemeClr val="accent1"/>
-          </a:lnRef>
-          <a:fillRef idx="3">
-            <a:schemeClr val="accent1"/>
-          </a:fillRef>
-          <a:effectRef idx="2">
-            <a:schemeClr val="accent1"/>
-          </a:effectRef>
-          <a:fontRef idx="minor">
-            <a:schemeClr val="lt1"/>
-          </a:fontRef>
-        </p:style>
-        <p:txBody>
-          <a:bodyPr rtlCol="0" anchor="ctr"/>
-          <a:lstStyle/>
-          <a:p>
-            <a:pPr algn="ctr"/>
-            <a:endParaRPr/>
-          </a:p>
-        </p:txBody>
-      </p:sp>
-      <p:sp>
-        <p:nvSpPr>
-          <p:cNvPr id="7" name="TextBox 6">
-            <a:extLst>
-              <a:ext uri="{FF2B5EF4-FFF2-40B4-BE49-F238E27FC236}">
-                <a16:creationId xmlns:a16="http://schemas.microsoft.com/office/drawing/2014/main" id="{34491A64-F958-17F8-3207-E93CCE1E7F7D}"/>
-              </a:ext>
-            </a:extLst>
-          </p:cNvPr>
-          <p:cNvSpPr txBox="1"/>
-          <p:nvPr/>
-        </p:nvSpPr>
-        <p:spPr>
-          <a:xfrm>
-            <a:off x="0" y="0"/>
-            <a:ext cx="9144000" cy="457200"/>
-          </a:xfrm>
-          <a:prstGeom prst="rect">
-            <a:avLst/>
-          </a:prstGeom>
-          <a:noFill/>
-        </p:spPr>
-        <p:txBody>
-          <a:bodyPr wrap="none">
-            <a:spAutoFit/>
-          </a:bodyPr>
-          <a:lstStyle/>
-          <a:p>
-            <a:pPr algn="ctr">
-              <a:defRPr sz="1400">
-                <a:solidFill>
-                  <a:srgbClr val="FFFFFF"/>
-                </a:solidFill>
-              </a:defRPr>
-            </a:pPr>
-            <a:r>
-              <a:t>Visvesvaraya National Institute of Technology (VNIT), Nagpur</a:t>
-            </a:r>
-          </a:p>
-        </p:txBody>
-      </p:sp>
-      <p:sp>
-        <p:nvSpPr>
-          <p:cNvPr id="8" name="Rectangle 7">
-            <a:extLst>
-              <a:ext uri="{FF2B5EF4-FFF2-40B4-BE49-F238E27FC236}">
-                <a16:creationId xmlns:a16="http://schemas.microsoft.com/office/drawing/2014/main" id="{9725676C-F819-CBFE-B94D-A929D86FA0EE}"/>
-              </a:ext>
-            </a:extLst>
-          </p:cNvPr>
-          <p:cNvSpPr/>
-          <p:nvPr/>
-        </p:nvSpPr>
-        <p:spPr>
-          <a:xfrm>
-            <a:off x="0" y="6400800"/>
-            <a:ext cx="9144000" cy="274320"/>
-          </a:xfrm>
-          <a:prstGeom prst="rect">
-            <a:avLst/>
-          </a:prstGeom>
-          <a:solidFill>
-            <a:srgbClr val="FFDF00"/>
-          </a:solidFill>
-          <a:ln>
-            <a:solidFill>
-              <a:srgbClr val="003366"/>
-            </a:solidFill>
-          </a:ln>
-        </p:spPr>
-        <p:style>
-          <a:lnRef idx="1">
-            <a:schemeClr val="accent1"/>
-          </a:lnRef>
-          <a:fillRef idx="3">
-            <a:schemeClr val="accent1"/>
-          </a:fillRef>
-          <a:effectRef idx="2">
-            <a:schemeClr val="accent1"/>
-          </a:effectRef>
-          <a:fontRef idx="minor">
-            <a:schemeClr val="lt1"/>
-          </a:fontRef>
-        </p:style>
-        <p:txBody>
-          <a:bodyPr rtlCol="0" anchor="ctr"/>
-          <a:lstStyle/>
-          <a:p>
-            <a:pPr algn="ctr"/>
-            <a:endParaRPr/>
-          </a:p>
-        </p:txBody>
-      </p:sp>
-      <p:sp>
-        <p:nvSpPr>
-          <p:cNvPr id="4" name="TextBox 3">
-            <a:extLst>
-              <a:ext uri="{FF2B5EF4-FFF2-40B4-BE49-F238E27FC236}">
-                <a16:creationId xmlns:a16="http://schemas.microsoft.com/office/drawing/2014/main" id="{DCE8D656-3CBE-41C6-126C-AF67CB89DEEF}"/>
-              </a:ext>
-            </a:extLst>
-          </p:cNvPr>
-          <p:cNvSpPr txBox="1"/>
-          <p:nvPr/>
-        </p:nvSpPr>
-        <p:spPr>
-          <a:xfrm>
-            <a:off x="457200" y="1373898"/>
-            <a:ext cx="8116529" cy="2957861"/>
-          </a:xfrm>
-          <a:prstGeom prst="rect">
-            <a:avLst/>
-          </a:prstGeom>
-          <a:noFill/>
-        </p:spPr>
-        <p:txBody>
-          <a:bodyPr wrap="square" rtlCol="0">
-            <a:spAutoFit/>
-          </a:bodyPr>
-          <a:lstStyle/>
-          <a:p>
-            <a:pPr>
-              <a:lnSpc>
-                <a:spcPct val="150000"/>
-              </a:lnSpc>
-            </a:pPr>
-            <a:r>
-              <a:rPr lang="en-US" b="1" dirty="0"/>
-              <a:t>Goal: </a:t>
-            </a:r>
-            <a:r>
-              <a:rPr lang="en-US" dirty="0"/>
-              <a:t>Identify transitions (rising or falling edges) in the signal waveform.</a:t>
-            </a:r>
-          </a:p>
-          <a:p>
-            <a:pPr>
-              <a:lnSpc>
-                <a:spcPct val="150000"/>
-              </a:lnSpc>
-            </a:pPr>
-            <a:r>
-              <a:rPr lang="en-US" b="1" dirty="0"/>
-              <a:t>Steps:</a:t>
-            </a:r>
-          </a:p>
-          <a:p>
-            <a:pPr marL="742950" lvl="1" indent="-285750">
-              <a:lnSpc>
-                <a:spcPct val="150000"/>
-              </a:lnSpc>
-              <a:buFont typeface="Wingdings" panose="05000000000000000000" pitchFamily="2" charset="2"/>
-              <a:buChar char="Ø"/>
-            </a:pPr>
-            <a:r>
-              <a:rPr lang="en-US" dirty="0"/>
-              <a:t>Convert each signal to a 1D array by </a:t>
-            </a:r>
-          </a:p>
-          <a:p>
-            <a:pPr lvl="1">
-              <a:lnSpc>
-                <a:spcPct val="150000"/>
-              </a:lnSpc>
-            </a:pPr>
-            <a:r>
-              <a:rPr lang="en-US" dirty="0"/>
-              <a:t>summing pixel values along columns.</a:t>
-            </a:r>
-          </a:p>
-          <a:p>
-            <a:pPr marL="742950" lvl="1" indent="-285750">
-              <a:lnSpc>
-                <a:spcPct val="150000"/>
-              </a:lnSpc>
-              <a:buFont typeface="Wingdings" panose="05000000000000000000" pitchFamily="2" charset="2"/>
-              <a:buChar char="Ø"/>
-            </a:pPr>
-            <a:r>
-              <a:rPr lang="en-US" dirty="0"/>
-              <a:t>Normalize the signal to binary and </a:t>
-            </a:r>
-          </a:p>
-          <a:p>
-            <a:pPr lvl="1">
-              <a:lnSpc>
-                <a:spcPct val="150000"/>
-              </a:lnSpc>
-            </a:pPr>
-            <a:r>
-              <a:rPr lang="en-US" dirty="0"/>
-              <a:t>detect transitions based on changes in </a:t>
-            </a:r>
-          </a:p>
-          <a:p>
-            <a:pPr lvl="1">
-              <a:lnSpc>
-                <a:spcPct val="150000"/>
-              </a:lnSpc>
-            </a:pPr>
-            <a:r>
-              <a:rPr lang="en-US" dirty="0"/>
-              <a:t>value.</a:t>
-            </a:r>
-          </a:p>
-        </p:txBody>
-      </p:sp>
-      <p:pic>
-        <p:nvPicPr>
-          <p:cNvPr id="11" name="Picture 10">
-            <a:extLst>
-              <a:ext uri="{FF2B5EF4-FFF2-40B4-BE49-F238E27FC236}">
-                <a16:creationId xmlns:a16="http://schemas.microsoft.com/office/drawing/2014/main" id="{9306B5F9-1742-CC7C-F4E8-5D1AD404FF8F}"/>
-              </a:ext>
-            </a:extLst>
-          </p:cNvPr>
-          <p:cNvPicPr>
-            <a:picLocks noChangeAspect="1"/>
-          </p:cNvPicPr>
-          <p:nvPr/>
-        </p:nvPicPr>
-        <p:blipFill>
-          <a:blip r:embed="rId2"/>
-          <a:stretch>
-            <a:fillRect/>
-          </a:stretch>
-        </p:blipFill>
-        <p:spPr>
-          <a:xfrm>
-            <a:off x="4699220" y="1796995"/>
-            <a:ext cx="3987579" cy="3687106"/>
-          </a:xfrm>
-          <a:prstGeom prst="rect">
-            <a:avLst/>
-          </a:prstGeom>
-        </p:spPr>
-      </p:pic>
-    </p:spTree>
-    <p:extLst>
-      <p:ext uri="{BB962C8B-B14F-4D97-AF65-F5344CB8AC3E}">
-        <p14:creationId xmlns:p14="http://schemas.microsoft.com/office/powerpoint/2010/main" val="1391019507"/>
-      </p:ext>
-    </p:extLst>
-  </p:cSld>
-  <p:clrMapOvr>
-    <a:masterClrMapping/>
-  </p:clrMapOvr>
-</p:sld>
-</file>
-
-<file path=ppt/slides/slide21.xml><?xml version="1.0" encoding="utf-8"?>
-<p:sld xmlns:a="http://schemas.openxmlformats.org/drawingml/2006/main" xmlns:r="http://schemas.openxmlformats.org/officeDocument/2006/relationships" xmlns:p="http://schemas.openxmlformats.org/presentationml/2006/main">
-  <p:cSld>
-    <p:bg>
-      <p:bgPr>
-        <a:gradFill rotWithShape="1">
-          <a:gsLst>
-            <a:gs pos="0">
-              <a:srgbClr val="003366"/>
-            </a:gs>
-            <a:gs pos="100000">
-              <a:srgbClr val="0099FF"/>
-            </a:gs>
-          </a:gsLst>
-          <a:lin scaled="0"/>
-        </a:gradFill>
-        <a:effectLst/>
-      </p:bgPr>
-    </p:bg>
-    <p:spTree>
-      <p:nvGrpSpPr>
-        <p:cNvPr id="1" name="">
-          <a:extLst>
-            <a:ext uri="{FF2B5EF4-FFF2-40B4-BE49-F238E27FC236}">
-              <a16:creationId xmlns:a16="http://schemas.microsoft.com/office/drawing/2014/main" id="{7E852D3F-382B-B874-E4DA-D6D0CE7553AE}"/>
-            </a:ext>
-          </a:extLst>
-        </p:cNvPr>
-        <p:cNvGrpSpPr/>
-        <p:nvPr/>
-      </p:nvGrpSpPr>
-      <p:grpSpPr>
-        <a:xfrm>
-          <a:off x="0" y="0"/>
-          <a:ext cx="0" cy="0"/>
-          <a:chOff x="0" y="0"/>
-          <a:chExt cx="0" cy="0"/>
-        </a:xfrm>
-      </p:grpSpPr>
-      <p:sp>
-        <p:nvSpPr>
-          <p:cNvPr id="2" name="Title 1">
-            <a:extLst>
-              <a:ext uri="{FF2B5EF4-FFF2-40B4-BE49-F238E27FC236}">
-                <a16:creationId xmlns:a16="http://schemas.microsoft.com/office/drawing/2014/main" id="{57DD1305-F175-4BA4-D611-D3AAB110F25D}"/>
-              </a:ext>
-            </a:extLst>
-          </p:cNvPr>
-          <p:cNvSpPr>
-            <a:spLocks noGrp="1"/>
-          </p:cNvSpPr>
-          <p:nvPr>
-            <p:ph type="title"/>
-          </p:nvPr>
-        </p:nvSpPr>
-        <p:spPr/>
-        <p:txBody>
-          <a:bodyPr/>
-          <a:lstStyle/>
-          <a:p>
-            <a:pPr>
-              <a:defRPr sz="3000">
-                <a:solidFill>
-                  <a:srgbClr val="FFDF00"/>
-                </a:solidFill>
-              </a:defRPr>
-            </a:pPr>
-            <a:r>
-              <a:rPr lang="en-IN" dirty="0"/>
-              <a:t>Signal Transition Analysis</a:t>
-            </a:r>
-          </a:p>
-        </p:txBody>
-      </p:sp>
-      <p:sp>
-        <p:nvSpPr>
-          <p:cNvPr id="3" name="Rectangle 2">
-            <a:extLst>
-              <a:ext uri="{FF2B5EF4-FFF2-40B4-BE49-F238E27FC236}">
-                <a16:creationId xmlns:a16="http://schemas.microsoft.com/office/drawing/2014/main" id="{982DBBD1-06F9-AFED-4B7F-4B1103371343}"/>
-              </a:ext>
-            </a:extLst>
-          </p:cNvPr>
-          <p:cNvSpPr/>
-          <p:nvPr/>
-        </p:nvSpPr>
-        <p:spPr>
-          <a:xfrm>
-            <a:off x="457200" y="1371600"/>
-            <a:ext cx="8229600" cy="4114800"/>
-          </a:xfrm>
-          <a:prstGeom prst="rect">
-            <a:avLst/>
-          </a:prstGeom>
-          <a:solidFill>
-            <a:srgbClr val="FFFFFF"/>
-          </a:solidFill>
-        </p:spPr>
-        <p:style>
-          <a:lnRef idx="1">
-            <a:schemeClr val="accent1"/>
-          </a:lnRef>
-          <a:fillRef idx="3">
-            <a:schemeClr val="accent1"/>
-          </a:fillRef>
-          <a:effectRef idx="2">
-            <a:schemeClr val="accent1"/>
-          </a:effectRef>
-          <a:fontRef idx="minor">
-            <a:schemeClr val="lt1"/>
-          </a:fontRef>
-        </p:style>
-        <p:txBody>
-          <a:bodyPr rtlCol="0" anchor="ctr"/>
-          <a:lstStyle/>
-          <a:p>
-            <a:pPr algn="ctr"/>
-            <a:endParaRPr dirty="0"/>
-          </a:p>
-        </p:txBody>
-      </p:sp>
-      <p:sp>
-        <p:nvSpPr>
-          <p:cNvPr id="5" name="TextBox 4">
-            <a:extLst>
-              <a:ext uri="{FF2B5EF4-FFF2-40B4-BE49-F238E27FC236}">
-                <a16:creationId xmlns:a16="http://schemas.microsoft.com/office/drawing/2014/main" id="{2F89B113-AC35-5EA2-2F98-6A2FFADD46A9}"/>
-              </a:ext>
-            </a:extLst>
-          </p:cNvPr>
-          <p:cNvSpPr txBox="1"/>
-          <p:nvPr/>
-        </p:nvSpPr>
-        <p:spPr>
-          <a:xfrm>
-            <a:off x="457200" y="6400800"/>
-            <a:ext cx="8229600" cy="274320"/>
-          </a:xfrm>
-          <a:prstGeom prst="rect">
-            <a:avLst/>
-          </a:prstGeom>
-          <a:noFill/>
-        </p:spPr>
-        <p:txBody>
-          <a:bodyPr wrap="none">
-            <a:spAutoFit/>
-          </a:bodyPr>
-          <a:lstStyle/>
-          <a:p>
-            <a:pPr algn="ctr">
-              <a:defRPr sz="1400">
-                <a:solidFill>
-                  <a:srgbClr val="FFDF00"/>
-                </a:solidFill>
-              </a:defRPr>
-            </a:pPr>
-            <a:r>
-              <a:t>Visvesvaraya National Institute of Technology (VNIT), Nagpur</a:t>
-            </a:r>
-          </a:p>
-        </p:txBody>
-      </p:sp>
-      <p:sp>
-        <p:nvSpPr>
-          <p:cNvPr id="6" name="Rectangle 5">
-            <a:extLst>
-              <a:ext uri="{FF2B5EF4-FFF2-40B4-BE49-F238E27FC236}">
-                <a16:creationId xmlns:a16="http://schemas.microsoft.com/office/drawing/2014/main" id="{0063A446-39D9-2E56-4294-B7C15F4FBBA1}"/>
-              </a:ext>
-            </a:extLst>
-          </p:cNvPr>
-          <p:cNvSpPr/>
-          <p:nvPr/>
-        </p:nvSpPr>
-        <p:spPr>
-          <a:xfrm>
-            <a:off x="0" y="0"/>
-            <a:ext cx="9144000" cy="457200"/>
-          </a:xfrm>
-          <a:prstGeom prst="rect">
-            <a:avLst/>
-          </a:prstGeom>
-          <a:solidFill>
-            <a:srgbClr val="003366"/>
-          </a:solidFill>
-          <a:ln>
-            <a:solidFill>
-              <a:srgbClr val="FFDF00"/>
-            </a:solidFill>
-          </a:ln>
-        </p:spPr>
-        <p:style>
-          <a:lnRef idx="1">
-            <a:schemeClr val="accent1"/>
-          </a:lnRef>
-          <a:fillRef idx="3">
-            <a:schemeClr val="accent1"/>
-          </a:fillRef>
-          <a:effectRef idx="2">
-            <a:schemeClr val="accent1"/>
-          </a:effectRef>
-          <a:fontRef idx="minor">
-            <a:schemeClr val="lt1"/>
-          </a:fontRef>
-        </p:style>
-        <p:txBody>
-          <a:bodyPr rtlCol="0" anchor="ctr"/>
-          <a:lstStyle/>
-          <a:p>
-            <a:pPr algn="ctr"/>
-            <a:endParaRPr/>
-          </a:p>
-        </p:txBody>
-      </p:sp>
-      <p:sp>
-        <p:nvSpPr>
-          <p:cNvPr id="7" name="TextBox 6">
-            <a:extLst>
-              <a:ext uri="{FF2B5EF4-FFF2-40B4-BE49-F238E27FC236}">
-                <a16:creationId xmlns:a16="http://schemas.microsoft.com/office/drawing/2014/main" id="{2A350DDA-6AB9-496F-8793-AF658A18E739}"/>
-              </a:ext>
-            </a:extLst>
-          </p:cNvPr>
-          <p:cNvSpPr txBox="1"/>
-          <p:nvPr/>
-        </p:nvSpPr>
-        <p:spPr>
-          <a:xfrm>
-            <a:off x="0" y="0"/>
-            <a:ext cx="9144000" cy="457200"/>
-          </a:xfrm>
-          <a:prstGeom prst="rect">
-            <a:avLst/>
-          </a:prstGeom>
-          <a:noFill/>
-        </p:spPr>
-        <p:txBody>
-          <a:bodyPr wrap="none">
-            <a:spAutoFit/>
-          </a:bodyPr>
-          <a:lstStyle/>
-          <a:p>
-            <a:pPr algn="ctr">
-              <a:defRPr sz="1400">
-                <a:solidFill>
-                  <a:srgbClr val="FFFFFF"/>
-                </a:solidFill>
-              </a:defRPr>
-            </a:pPr>
-            <a:r>
-              <a:t>Visvesvaraya National Institute of Technology (VNIT), Nagpur</a:t>
-            </a:r>
-          </a:p>
-        </p:txBody>
-      </p:sp>
-      <p:sp>
-        <p:nvSpPr>
-          <p:cNvPr id="8" name="Rectangle 7">
-            <a:extLst>
-              <a:ext uri="{FF2B5EF4-FFF2-40B4-BE49-F238E27FC236}">
-                <a16:creationId xmlns:a16="http://schemas.microsoft.com/office/drawing/2014/main" id="{9B59D4FC-D577-46EE-66E3-70AA7A855BB2}"/>
-              </a:ext>
-            </a:extLst>
-          </p:cNvPr>
-          <p:cNvSpPr/>
-          <p:nvPr/>
-        </p:nvSpPr>
-        <p:spPr>
-          <a:xfrm>
-            <a:off x="0" y="6400800"/>
-            <a:ext cx="9144000" cy="274320"/>
-          </a:xfrm>
-          <a:prstGeom prst="rect">
-            <a:avLst/>
-          </a:prstGeom>
-          <a:solidFill>
-            <a:srgbClr val="FFDF00"/>
-          </a:solidFill>
-          <a:ln>
-            <a:solidFill>
-              <a:srgbClr val="003366"/>
-            </a:solidFill>
-          </a:ln>
-        </p:spPr>
-        <p:style>
-          <a:lnRef idx="1">
-            <a:schemeClr val="accent1"/>
-          </a:lnRef>
-          <a:fillRef idx="3">
-            <a:schemeClr val="accent1"/>
-          </a:fillRef>
-          <a:effectRef idx="2">
-            <a:schemeClr val="accent1"/>
-          </a:effectRef>
-          <a:fontRef idx="minor">
-            <a:schemeClr val="lt1"/>
-          </a:fontRef>
-        </p:style>
-        <p:txBody>
-          <a:bodyPr rtlCol="0" anchor="ctr"/>
-          <a:lstStyle/>
-          <a:p>
-            <a:pPr algn="ctr"/>
-            <a:endParaRPr/>
-          </a:p>
-        </p:txBody>
-      </p:sp>
-      <p:sp>
-        <p:nvSpPr>
-          <p:cNvPr id="4" name="TextBox 3">
-            <a:extLst>
-              <a:ext uri="{FF2B5EF4-FFF2-40B4-BE49-F238E27FC236}">
-                <a16:creationId xmlns:a16="http://schemas.microsoft.com/office/drawing/2014/main" id="{3BFE3B16-7AB1-2E7E-E496-00C78C11F1F2}"/>
-              </a:ext>
-            </a:extLst>
-          </p:cNvPr>
-          <p:cNvSpPr txBox="1"/>
-          <p:nvPr/>
-        </p:nvSpPr>
-        <p:spPr>
-          <a:xfrm>
-            <a:off x="457200" y="1373898"/>
-            <a:ext cx="8116529" cy="4342856"/>
-          </a:xfrm>
-          <a:prstGeom prst="rect">
-            <a:avLst/>
-          </a:prstGeom>
-          <a:noFill/>
-        </p:spPr>
-        <p:txBody>
-          <a:bodyPr wrap="square" rtlCol="0">
-            <a:spAutoFit/>
-          </a:bodyPr>
-          <a:lstStyle/>
-          <a:p>
-            <a:pPr>
-              <a:lnSpc>
-                <a:spcPct val="150000"/>
-              </a:lnSpc>
-            </a:pPr>
-            <a:r>
-              <a:rPr lang="en-US" b="1" dirty="0"/>
-              <a:t>Goal: </a:t>
-            </a:r>
-            <a:r>
-              <a:rPr lang="en-US" dirty="0"/>
-              <a:t>Identify transitions (rising or falling edges) in the signal waveform.</a:t>
-            </a:r>
-          </a:p>
-          <a:p>
-            <a:pPr>
-              <a:lnSpc>
-                <a:spcPct val="150000"/>
-              </a:lnSpc>
-            </a:pPr>
-            <a:r>
-              <a:rPr lang="en-US" b="1" dirty="0"/>
-              <a:t>Problems:</a:t>
-            </a:r>
-          </a:p>
-          <a:p>
-            <a:pPr marL="742950" lvl="1" indent="-285750">
-              <a:lnSpc>
-                <a:spcPct val="150000"/>
-              </a:lnSpc>
-              <a:buFont typeface="Arial" panose="020B0604020202020204" pitchFamily="34" charset="0"/>
-              <a:buChar char="•"/>
-            </a:pPr>
-            <a:r>
-              <a:rPr lang="en-US" sz="1200" dirty="0"/>
-              <a:t>Unable to properly detect the transitions from the processed signal image Using CV based methods</a:t>
-            </a:r>
-          </a:p>
-          <a:p>
-            <a:pPr marL="742950" lvl="1" indent="-285750">
-              <a:lnSpc>
-                <a:spcPct val="150000"/>
-              </a:lnSpc>
-              <a:buFont typeface="Arial" panose="020B0604020202020204" pitchFamily="34" charset="0"/>
-              <a:buChar char="•"/>
-            </a:pPr>
-            <a:r>
-              <a:rPr lang="en-US" sz="1200" b="1" dirty="0"/>
-              <a:t>Alternate Approaches proposed – </a:t>
-            </a:r>
-          </a:p>
-          <a:p>
-            <a:pPr marL="800100" lvl="1" indent="-342900">
-              <a:lnSpc>
-                <a:spcPct val="150000"/>
-              </a:lnSpc>
-              <a:buFont typeface="+mj-lt"/>
-              <a:buAutoNum type="arabicPeriod"/>
-            </a:pPr>
-            <a:r>
-              <a:rPr lang="en-US" sz="1200" dirty="0"/>
-              <a:t>Use a </a:t>
-            </a:r>
-            <a:r>
-              <a:rPr lang="en-US" sz="1200" b="1" dirty="0"/>
-              <a:t>Pretrained Edge Detection Model </a:t>
-            </a:r>
-            <a:r>
-              <a:rPr lang="en-US" sz="1200" dirty="0"/>
-              <a:t>(e.g., HED - Holistically-Nested Edge Detection)</a:t>
-            </a:r>
-          </a:p>
-          <a:p>
-            <a:pPr marL="800100" lvl="1" indent="-342900">
-              <a:lnSpc>
-                <a:spcPct val="150000"/>
-              </a:lnSpc>
-              <a:buFont typeface="+mj-lt"/>
-              <a:buAutoNum type="arabicPeriod"/>
-            </a:pPr>
-            <a:r>
-              <a:rPr lang="en-US" sz="1200" b="1" dirty="0"/>
-              <a:t>Convolutional Neural Network (CNN) </a:t>
-            </a:r>
-            <a:r>
-              <a:rPr lang="en-US" sz="1200" dirty="0"/>
-              <a:t>for Signal Segmentation- Train or use a pretrained CNN to segment the timing diagram into signal regions (high and low states). This can be adapted from models used for image segmentation (e.g., U-Net).</a:t>
-            </a:r>
-          </a:p>
-          <a:p>
-            <a:pPr marL="800100" lvl="1" indent="-342900">
-              <a:lnSpc>
-                <a:spcPct val="150000"/>
-              </a:lnSpc>
-              <a:buFont typeface="+mj-lt"/>
-              <a:buAutoNum type="arabicPeriod"/>
-            </a:pPr>
-            <a:r>
-              <a:rPr lang="en-US" sz="1200" dirty="0"/>
-              <a:t>Apply a </a:t>
-            </a:r>
-            <a:r>
-              <a:rPr lang="en-US" sz="1200" b="1" dirty="0"/>
-              <a:t>wavelet transform </a:t>
-            </a:r>
-            <a:r>
-              <a:rPr lang="en-US" sz="1200" dirty="0"/>
-              <a:t>to the signal row to detect the edges of the square wave. Wavelet transforms are effective for analyzing periodic signals and can identify transition points without extensive preprocessing.</a:t>
-            </a:r>
-          </a:p>
-          <a:p>
-            <a:pPr marL="800100" lvl="1" indent="-342900">
-              <a:lnSpc>
-                <a:spcPct val="150000"/>
-              </a:lnSpc>
-              <a:buFont typeface="+mj-lt"/>
-              <a:buAutoNum type="arabicPeriod"/>
-            </a:pPr>
-            <a:endParaRPr lang="en-US" dirty="0"/>
-          </a:p>
-          <a:p>
-            <a:pPr marL="800100" lvl="1" indent="-342900">
-              <a:lnSpc>
-                <a:spcPct val="150000"/>
-              </a:lnSpc>
-              <a:buFont typeface="+mj-lt"/>
-              <a:buAutoNum type="arabicPeriod"/>
-            </a:pPr>
-            <a:endParaRPr lang="en-US" dirty="0"/>
-          </a:p>
-          <a:p>
-            <a:pPr marL="742950" lvl="1" indent="-285750">
-              <a:lnSpc>
-                <a:spcPct val="150000"/>
-              </a:lnSpc>
-              <a:buFont typeface="Arial" panose="020B0604020202020204" pitchFamily="34" charset="0"/>
-              <a:buChar char="•"/>
-            </a:pPr>
-            <a:endParaRPr lang="en-US" b="1" dirty="0"/>
-          </a:p>
-        </p:txBody>
-      </p:sp>
-    </p:spTree>
-    <p:extLst>
-      <p:ext uri="{BB962C8B-B14F-4D97-AF65-F5344CB8AC3E}">
-        <p14:creationId xmlns:p14="http://schemas.microsoft.com/office/powerpoint/2010/main" val="2646352206"/>
-      </p:ext>
-    </p:extLst>
-  </p:cSld>
-  <p:clrMapOvr>
-    <a:masterClrMapping/>
-  </p:clrMapOvr>
-</p:sld>
-</file>
-
-<file path=ppt/slides/slide22.xml><?xml version="1.0" encoding="utf-8"?>
-<p:sld xmlns:a="http://schemas.openxmlformats.org/drawingml/2006/main" xmlns:r="http://schemas.openxmlformats.org/officeDocument/2006/relationships" xmlns:p="http://schemas.openxmlformats.org/presentationml/2006/main">
-  <p:cSld>
-    <p:bg>
-      <p:bgPr>
-        <a:gradFill rotWithShape="1">
-          <a:gsLst>
-            <a:gs pos="0">
-              <a:srgbClr val="003366"/>
-            </a:gs>
-            <a:gs pos="100000">
-              <a:srgbClr val="0099FF"/>
-            </a:gs>
-          </a:gsLst>
-          <a:lin scaled="0"/>
-        </a:gradFill>
-        <a:effectLst/>
-      </p:bgPr>
-    </p:bg>
-    <p:spTree>
-      <p:nvGrpSpPr>
-        <p:cNvPr id="1" name="">
-          <a:extLst>
-            <a:ext uri="{FF2B5EF4-FFF2-40B4-BE49-F238E27FC236}">
-              <a16:creationId xmlns:a16="http://schemas.microsoft.com/office/drawing/2014/main" id="{BE337807-2173-E52E-A57A-C38A06F5D6AF}"/>
-            </a:ext>
-          </a:extLst>
-        </p:cNvPr>
-        <p:cNvGrpSpPr/>
-        <p:nvPr/>
-      </p:nvGrpSpPr>
-      <p:grpSpPr>
-        <a:xfrm>
-          <a:off x="0" y="0"/>
-          <a:ext cx="0" cy="0"/>
-          <a:chOff x="0" y="0"/>
-          <a:chExt cx="0" cy="0"/>
-        </a:xfrm>
-      </p:grpSpPr>
-      <p:sp>
-        <p:nvSpPr>
-          <p:cNvPr id="2" name="Title 1">
-            <a:extLst>
-              <a:ext uri="{FF2B5EF4-FFF2-40B4-BE49-F238E27FC236}">
-                <a16:creationId xmlns:a16="http://schemas.microsoft.com/office/drawing/2014/main" id="{491BEEA0-9094-90A1-6866-33EA1EAA1900}"/>
-              </a:ext>
-            </a:extLst>
-          </p:cNvPr>
-          <p:cNvSpPr>
-            <a:spLocks noGrp="1"/>
-          </p:cNvSpPr>
-          <p:nvPr>
-            <p:ph type="title"/>
-          </p:nvPr>
-        </p:nvSpPr>
-        <p:spPr/>
-        <p:txBody>
-          <a:bodyPr/>
-          <a:lstStyle/>
-          <a:p>
-            <a:pPr>
-              <a:defRPr sz="3000">
-                <a:solidFill>
-                  <a:srgbClr val="FFDF00"/>
-                </a:solidFill>
-              </a:defRPr>
-            </a:pPr>
-            <a:r>
-              <a:rPr lang="en-IN" dirty="0"/>
-              <a:t>Output/Results</a:t>
-            </a:r>
-          </a:p>
-        </p:txBody>
-      </p:sp>
-      <p:sp>
-        <p:nvSpPr>
-          <p:cNvPr id="3" name="Rectangle 2">
-            <a:extLst>
-              <a:ext uri="{FF2B5EF4-FFF2-40B4-BE49-F238E27FC236}">
-                <a16:creationId xmlns:a16="http://schemas.microsoft.com/office/drawing/2014/main" id="{9717D488-9353-978D-3FBF-C85921A36EB5}"/>
-              </a:ext>
-            </a:extLst>
-          </p:cNvPr>
-          <p:cNvSpPr/>
-          <p:nvPr/>
-        </p:nvSpPr>
-        <p:spPr>
-          <a:xfrm>
-            <a:off x="457200" y="1371600"/>
-            <a:ext cx="8229600" cy="4114800"/>
-          </a:xfrm>
-          <a:prstGeom prst="rect">
-            <a:avLst/>
-          </a:prstGeom>
-          <a:solidFill>
-            <a:srgbClr val="FFFFFF"/>
-          </a:solidFill>
-        </p:spPr>
-        <p:style>
-          <a:lnRef idx="1">
-            <a:schemeClr val="accent1"/>
-          </a:lnRef>
-          <a:fillRef idx="3">
-            <a:schemeClr val="accent1"/>
-          </a:fillRef>
-          <a:effectRef idx="2">
-            <a:schemeClr val="accent1"/>
-          </a:effectRef>
-          <a:fontRef idx="minor">
-            <a:schemeClr val="lt1"/>
-          </a:fontRef>
-        </p:style>
-        <p:txBody>
-          <a:bodyPr rtlCol="0" anchor="ctr"/>
-          <a:lstStyle/>
-          <a:p>
-            <a:pPr algn="ctr"/>
-            <a:endParaRPr dirty="0"/>
-          </a:p>
-        </p:txBody>
-      </p:sp>
-      <p:sp>
-        <p:nvSpPr>
-          <p:cNvPr id="5" name="TextBox 4">
-            <a:extLst>
-              <a:ext uri="{FF2B5EF4-FFF2-40B4-BE49-F238E27FC236}">
-                <a16:creationId xmlns:a16="http://schemas.microsoft.com/office/drawing/2014/main" id="{7C5A1894-8760-F849-8D30-2516D0587D8D}"/>
-              </a:ext>
-            </a:extLst>
-          </p:cNvPr>
-          <p:cNvSpPr txBox="1"/>
-          <p:nvPr/>
-        </p:nvSpPr>
-        <p:spPr>
-          <a:xfrm>
-            <a:off x="457200" y="6400800"/>
-            <a:ext cx="8229600" cy="274320"/>
-          </a:xfrm>
-          <a:prstGeom prst="rect">
-            <a:avLst/>
-          </a:prstGeom>
-          <a:noFill/>
-        </p:spPr>
-        <p:txBody>
-          <a:bodyPr wrap="none">
-            <a:spAutoFit/>
-          </a:bodyPr>
-          <a:lstStyle/>
-          <a:p>
-            <a:pPr algn="ctr">
-              <a:defRPr sz="1400">
-                <a:solidFill>
-                  <a:srgbClr val="FFDF00"/>
-                </a:solidFill>
-              </a:defRPr>
-            </a:pPr>
-            <a:r>
-              <a:t>Visvesvaraya National Institute of Technology (VNIT), Nagpur</a:t>
-            </a:r>
-          </a:p>
-        </p:txBody>
-      </p:sp>
-      <p:sp>
-        <p:nvSpPr>
-          <p:cNvPr id="6" name="Rectangle 5">
-            <a:extLst>
-              <a:ext uri="{FF2B5EF4-FFF2-40B4-BE49-F238E27FC236}">
-                <a16:creationId xmlns:a16="http://schemas.microsoft.com/office/drawing/2014/main" id="{94B48819-09E7-550E-C8F8-3B6C9BB2DB18}"/>
-              </a:ext>
-            </a:extLst>
-          </p:cNvPr>
-          <p:cNvSpPr/>
-          <p:nvPr/>
-        </p:nvSpPr>
-        <p:spPr>
-          <a:xfrm>
-            <a:off x="0" y="0"/>
-            <a:ext cx="9144000" cy="457200"/>
-          </a:xfrm>
-          <a:prstGeom prst="rect">
-            <a:avLst/>
-          </a:prstGeom>
-          <a:solidFill>
-            <a:srgbClr val="003366"/>
-          </a:solidFill>
-          <a:ln>
-            <a:solidFill>
-              <a:srgbClr val="FFDF00"/>
-            </a:solidFill>
-          </a:ln>
-        </p:spPr>
-        <p:style>
-          <a:lnRef idx="1">
-            <a:schemeClr val="accent1"/>
-          </a:lnRef>
-          <a:fillRef idx="3">
-            <a:schemeClr val="accent1"/>
-          </a:fillRef>
-          <a:effectRef idx="2">
-            <a:schemeClr val="accent1"/>
-          </a:effectRef>
-          <a:fontRef idx="minor">
-            <a:schemeClr val="lt1"/>
-          </a:fontRef>
-        </p:style>
-        <p:txBody>
-          <a:bodyPr rtlCol="0" anchor="ctr"/>
-          <a:lstStyle/>
-          <a:p>
-            <a:pPr algn="ctr"/>
-            <a:endParaRPr/>
-          </a:p>
-        </p:txBody>
-      </p:sp>
-      <p:sp>
-        <p:nvSpPr>
-          <p:cNvPr id="7" name="TextBox 6">
-            <a:extLst>
-              <a:ext uri="{FF2B5EF4-FFF2-40B4-BE49-F238E27FC236}">
-                <a16:creationId xmlns:a16="http://schemas.microsoft.com/office/drawing/2014/main" id="{F9555FD8-5144-1BC9-22A1-0F0045B079E2}"/>
-              </a:ext>
-            </a:extLst>
-          </p:cNvPr>
-          <p:cNvSpPr txBox="1"/>
-          <p:nvPr/>
-        </p:nvSpPr>
-        <p:spPr>
-          <a:xfrm>
-            <a:off x="0" y="0"/>
-            <a:ext cx="9144000" cy="457200"/>
-          </a:xfrm>
-          <a:prstGeom prst="rect">
-            <a:avLst/>
-          </a:prstGeom>
-          <a:noFill/>
-        </p:spPr>
-        <p:txBody>
-          <a:bodyPr wrap="none">
-            <a:spAutoFit/>
-          </a:bodyPr>
-          <a:lstStyle/>
-          <a:p>
-            <a:pPr algn="ctr">
-              <a:defRPr sz="1400">
-                <a:solidFill>
-                  <a:srgbClr val="FFFFFF"/>
-                </a:solidFill>
-              </a:defRPr>
-            </a:pPr>
-            <a:r>
-              <a:t>Visvesvaraya National Institute of Technology (VNIT), Nagpur</a:t>
-            </a:r>
-          </a:p>
-        </p:txBody>
-      </p:sp>
-      <p:sp>
-        <p:nvSpPr>
-          <p:cNvPr id="8" name="Rectangle 7">
-            <a:extLst>
-              <a:ext uri="{FF2B5EF4-FFF2-40B4-BE49-F238E27FC236}">
-                <a16:creationId xmlns:a16="http://schemas.microsoft.com/office/drawing/2014/main" id="{CD8E7EF3-ABFE-77DC-1759-0FAE390A63FF}"/>
-              </a:ext>
-            </a:extLst>
-          </p:cNvPr>
-          <p:cNvSpPr/>
-          <p:nvPr/>
-        </p:nvSpPr>
-        <p:spPr>
-          <a:xfrm>
-            <a:off x="0" y="6400800"/>
-            <a:ext cx="9144000" cy="274320"/>
-          </a:xfrm>
-          <a:prstGeom prst="rect">
-            <a:avLst/>
-          </a:prstGeom>
-          <a:solidFill>
-            <a:srgbClr val="FFDF00"/>
-          </a:solidFill>
-          <a:ln>
-            <a:solidFill>
-              <a:srgbClr val="003366"/>
-            </a:solidFill>
-          </a:ln>
-        </p:spPr>
-        <p:style>
-          <a:lnRef idx="1">
-            <a:schemeClr val="accent1"/>
-          </a:lnRef>
-          <a:fillRef idx="3">
-            <a:schemeClr val="accent1"/>
-          </a:fillRef>
-          <a:effectRef idx="2">
-            <a:schemeClr val="accent1"/>
-          </a:effectRef>
-          <a:fontRef idx="minor">
-            <a:schemeClr val="lt1"/>
-          </a:fontRef>
-        </p:style>
-        <p:txBody>
-          <a:bodyPr rtlCol="0" anchor="ctr"/>
-          <a:lstStyle/>
-          <a:p>
-            <a:pPr algn="ctr"/>
-            <a:endParaRPr/>
-          </a:p>
-        </p:txBody>
-      </p:sp>
-      <p:pic>
-        <p:nvPicPr>
-          <p:cNvPr id="12" name="Picture 11">
-            <a:extLst>
-              <a:ext uri="{FF2B5EF4-FFF2-40B4-BE49-F238E27FC236}">
-                <a16:creationId xmlns:a16="http://schemas.microsoft.com/office/drawing/2014/main" id="{CD6B7B0C-769A-556F-38D1-57EFEEC9F4B4}"/>
-              </a:ext>
-            </a:extLst>
-          </p:cNvPr>
-          <p:cNvPicPr>
-            <a:picLocks noChangeAspect="1"/>
-          </p:cNvPicPr>
-          <p:nvPr/>
-        </p:nvPicPr>
-        <p:blipFill>
-          <a:blip r:embed="rId2"/>
-          <a:stretch>
-            <a:fillRect/>
-          </a:stretch>
-        </p:blipFill>
-        <p:spPr>
-          <a:xfrm>
-            <a:off x="457200" y="1371600"/>
-            <a:ext cx="3796748" cy="2686944"/>
-          </a:xfrm>
-          <a:prstGeom prst="rect">
-            <a:avLst/>
-          </a:prstGeom>
-        </p:spPr>
-      </p:pic>
-      <p:pic>
-        <p:nvPicPr>
-          <p:cNvPr id="14" name="Picture 13">
-            <a:extLst>
-              <a:ext uri="{FF2B5EF4-FFF2-40B4-BE49-F238E27FC236}">
-                <a16:creationId xmlns:a16="http://schemas.microsoft.com/office/drawing/2014/main" id="{61959242-F0AC-F803-3F05-F3464F93AC6E}"/>
-              </a:ext>
-            </a:extLst>
-          </p:cNvPr>
-          <p:cNvPicPr>
-            <a:picLocks noChangeAspect="1"/>
-          </p:cNvPicPr>
-          <p:nvPr/>
-        </p:nvPicPr>
-        <p:blipFill>
-          <a:blip r:embed="rId3"/>
-          <a:stretch>
-            <a:fillRect/>
-          </a:stretch>
-        </p:blipFill>
-        <p:spPr>
-          <a:xfrm>
-            <a:off x="4084587" y="1371600"/>
-            <a:ext cx="4602213" cy="3611564"/>
-          </a:xfrm>
-          <a:prstGeom prst="rect">
-            <a:avLst/>
-          </a:prstGeom>
-        </p:spPr>
-      </p:pic>
-    </p:spTree>
-    <p:extLst>
-      <p:ext uri="{BB962C8B-B14F-4D97-AF65-F5344CB8AC3E}">
-        <p14:creationId xmlns:p14="http://schemas.microsoft.com/office/powerpoint/2010/main" val="1190096321"/>
-      </p:ext>
-    </p:extLst>
-  </p:cSld>
-  <p:clrMapOvr>
-    <a:masterClrMapping/>
-  </p:clrMapOvr>
-</p:sld>
-</file>
-
-<file path=ppt/slides/slide23.xml><?xml version="1.0" encoding="utf-8"?>
-<p:sld xmlns:a="http://schemas.openxmlformats.org/drawingml/2006/main" xmlns:r="http://schemas.openxmlformats.org/officeDocument/2006/relationships" xmlns:p="http://schemas.openxmlformats.org/presentationml/2006/main">
-  <p:cSld>
-    <p:bg>
-      <p:bgPr>
-        <a:gradFill rotWithShape="1">
-          <a:gsLst>
-            <a:gs pos="0">
-              <a:srgbClr val="003366"/>
-            </a:gs>
-            <a:gs pos="100000">
-              <a:srgbClr val="0099FF"/>
-            </a:gs>
-          </a:gsLst>
-          <a:lin scaled="0"/>
-        </a:gradFill>
-        <a:effectLst/>
-      </p:bgPr>
-    </p:bg>
-    <p:spTree>
-      <p:nvGrpSpPr>
-        <p:cNvPr id="1" name="">
-          <a:extLst>
-            <a:ext uri="{FF2B5EF4-FFF2-40B4-BE49-F238E27FC236}">
-              <a16:creationId xmlns:a16="http://schemas.microsoft.com/office/drawing/2014/main" id="{0A7009FE-37DF-8080-2996-46B80860B22E}"/>
-            </a:ext>
-          </a:extLst>
-        </p:cNvPr>
-        <p:cNvGrpSpPr/>
-        <p:nvPr/>
-      </p:nvGrpSpPr>
-      <p:grpSpPr>
-        <a:xfrm>
-          <a:off x="0" y="0"/>
-          <a:ext cx="0" cy="0"/>
-          <a:chOff x="0" y="0"/>
-          <a:chExt cx="0" cy="0"/>
-        </a:xfrm>
-      </p:grpSpPr>
-      <p:sp>
-        <p:nvSpPr>
-          <p:cNvPr id="2" name="Title 1">
-            <a:extLst>
-              <a:ext uri="{FF2B5EF4-FFF2-40B4-BE49-F238E27FC236}">
-                <a16:creationId xmlns:a16="http://schemas.microsoft.com/office/drawing/2014/main" id="{27889B33-EB14-D589-6320-99FBEC272AB9}"/>
-              </a:ext>
-            </a:extLst>
-          </p:cNvPr>
-          <p:cNvSpPr>
-            <a:spLocks noGrp="1"/>
-          </p:cNvSpPr>
-          <p:nvPr>
-            <p:ph type="title"/>
-          </p:nvPr>
-        </p:nvSpPr>
-        <p:spPr/>
-        <p:txBody>
-          <a:bodyPr/>
-          <a:lstStyle/>
-          <a:p>
-            <a:pPr>
-              <a:defRPr sz="3000">
-                <a:solidFill>
-                  <a:srgbClr val="FFDF00"/>
-                </a:solidFill>
-              </a:defRPr>
-            </a:pPr>
-            <a:r>
-              <a:rPr lang="en-IN" dirty="0"/>
-              <a:t>Output</a:t>
-            </a:r>
-          </a:p>
-        </p:txBody>
-      </p:sp>
-      <p:sp>
-        <p:nvSpPr>
-          <p:cNvPr id="3" name="Rectangle 2">
-            <a:extLst>
-              <a:ext uri="{FF2B5EF4-FFF2-40B4-BE49-F238E27FC236}">
-                <a16:creationId xmlns:a16="http://schemas.microsoft.com/office/drawing/2014/main" id="{A2BDD40F-2E43-DBC7-8319-1B4B20BEC52C}"/>
-              </a:ext>
-            </a:extLst>
-          </p:cNvPr>
-          <p:cNvSpPr/>
-          <p:nvPr/>
-        </p:nvSpPr>
-        <p:spPr>
-          <a:xfrm>
-            <a:off x="457200" y="1371600"/>
-            <a:ext cx="8229600" cy="4114800"/>
-          </a:xfrm>
-          <a:prstGeom prst="rect">
-            <a:avLst/>
-          </a:prstGeom>
-          <a:solidFill>
-            <a:srgbClr val="FFFFFF"/>
-          </a:solidFill>
-        </p:spPr>
-        <p:style>
-          <a:lnRef idx="1">
-            <a:schemeClr val="accent1"/>
-          </a:lnRef>
-          <a:fillRef idx="3">
-            <a:schemeClr val="accent1"/>
-          </a:fillRef>
-          <a:effectRef idx="2">
-            <a:schemeClr val="accent1"/>
-          </a:effectRef>
-          <a:fontRef idx="minor">
-            <a:schemeClr val="lt1"/>
-          </a:fontRef>
-        </p:style>
-        <p:txBody>
-          <a:bodyPr rtlCol="0" anchor="ctr"/>
-          <a:lstStyle/>
-          <a:p>
-            <a:pPr algn="ctr"/>
-            <a:endParaRPr dirty="0"/>
-          </a:p>
-        </p:txBody>
-      </p:sp>
-      <p:sp>
-        <p:nvSpPr>
-          <p:cNvPr id="5" name="TextBox 4">
-            <a:extLst>
-              <a:ext uri="{FF2B5EF4-FFF2-40B4-BE49-F238E27FC236}">
-                <a16:creationId xmlns:a16="http://schemas.microsoft.com/office/drawing/2014/main" id="{D7270E3A-17B9-3B63-1488-A4CA72C5F9E6}"/>
-              </a:ext>
-            </a:extLst>
-          </p:cNvPr>
-          <p:cNvSpPr txBox="1"/>
-          <p:nvPr/>
-        </p:nvSpPr>
-        <p:spPr>
-          <a:xfrm>
-            <a:off x="457200" y="6400800"/>
-            <a:ext cx="8229600" cy="274320"/>
-          </a:xfrm>
-          <a:prstGeom prst="rect">
-            <a:avLst/>
-          </a:prstGeom>
-          <a:noFill/>
-        </p:spPr>
-        <p:txBody>
-          <a:bodyPr wrap="none">
-            <a:spAutoFit/>
-          </a:bodyPr>
-          <a:lstStyle/>
-          <a:p>
-            <a:pPr algn="ctr">
-              <a:defRPr sz="1400">
-                <a:solidFill>
-                  <a:srgbClr val="FFDF00"/>
-                </a:solidFill>
-              </a:defRPr>
-            </a:pPr>
-            <a:r>
-              <a:t>Visvesvaraya National Institute of Technology (VNIT), Nagpur</a:t>
-            </a:r>
-          </a:p>
-        </p:txBody>
-      </p:sp>
-      <p:sp>
-        <p:nvSpPr>
-          <p:cNvPr id="6" name="Rectangle 5">
-            <a:extLst>
-              <a:ext uri="{FF2B5EF4-FFF2-40B4-BE49-F238E27FC236}">
-                <a16:creationId xmlns:a16="http://schemas.microsoft.com/office/drawing/2014/main" id="{B215F0E3-E772-5E4C-856A-6E09F1D3EFE5}"/>
-              </a:ext>
-            </a:extLst>
-          </p:cNvPr>
-          <p:cNvSpPr/>
-          <p:nvPr/>
-        </p:nvSpPr>
-        <p:spPr>
-          <a:xfrm>
-            <a:off x="0" y="0"/>
-            <a:ext cx="9144000" cy="457200"/>
-          </a:xfrm>
-          <a:prstGeom prst="rect">
-            <a:avLst/>
-          </a:prstGeom>
-          <a:solidFill>
-            <a:srgbClr val="003366"/>
-          </a:solidFill>
-          <a:ln>
-            <a:solidFill>
-              <a:srgbClr val="FFDF00"/>
-            </a:solidFill>
-          </a:ln>
-        </p:spPr>
-        <p:style>
-          <a:lnRef idx="1">
-            <a:schemeClr val="accent1"/>
-          </a:lnRef>
-          <a:fillRef idx="3">
-            <a:schemeClr val="accent1"/>
-          </a:fillRef>
-          <a:effectRef idx="2">
-            <a:schemeClr val="accent1"/>
-          </a:effectRef>
-          <a:fontRef idx="minor">
-            <a:schemeClr val="lt1"/>
-          </a:fontRef>
-        </p:style>
-        <p:txBody>
-          <a:bodyPr rtlCol="0" anchor="ctr"/>
-          <a:lstStyle/>
-          <a:p>
-            <a:pPr algn="ctr"/>
-            <a:endParaRPr/>
-          </a:p>
-        </p:txBody>
-      </p:sp>
-      <p:sp>
-        <p:nvSpPr>
-          <p:cNvPr id="7" name="TextBox 6">
-            <a:extLst>
-              <a:ext uri="{FF2B5EF4-FFF2-40B4-BE49-F238E27FC236}">
-                <a16:creationId xmlns:a16="http://schemas.microsoft.com/office/drawing/2014/main" id="{F1A54A66-48BE-C566-9CB3-DD68E97E4341}"/>
-              </a:ext>
-            </a:extLst>
-          </p:cNvPr>
-          <p:cNvSpPr txBox="1"/>
-          <p:nvPr/>
-        </p:nvSpPr>
-        <p:spPr>
-          <a:xfrm>
-            <a:off x="0" y="0"/>
-            <a:ext cx="9144000" cy="457200"/>
-          </a:xfrm>
-          <a:prstGeom prst="rect">
-            <a:avLst/>
-          </a:prstGeom>
-          <a:noFill/>
-        </p:spPr>
-        <p:txBody>
-          <a:bodyPr wrap="none">
-            <a:spAutoFit/>
-          </a:bodyPr>
-          <a:lstStyle/>
-          <a:p>
-            <a:pPr algn="ctr">
-              <a:defRPr sz="1400">
-                <a:solidFill>
-                  <a:srgbClr val="FFFFFF"/>
-                </a:solidFill>
-              </a:defRPr>
-            </a:pPr>
-            <a:r>
-              <a:t>Visvesvaraya National Institute of Technology (VNIT), Nagpur</a:t>
-            </a:r>
-          </a:p>
-        </p:txBody>
-      </p:sp>
-      <p:sp>
-        <p:nvSpPr>
-          <p:cNvPr id="8" name="Rectangle 7">
-            <a:extLst>
-              <a:ext uri="{FF2B5EF4-FFF2-40B4-BE49-F238E27FC236}">
-                <a16:creationId xmlns:a16="http://schemas.microsoft.com/office/drawing/2014/main" id="{2399CAE2-8C4A-9B0E-6B6F-941F4CE8F9FF}"/>
-              </a:ext>
-            </a:extLst>
-          </p:cNvPr>
-          <p:cNvSpPr/>
-          <p:nvPr/>
-        </p:nvSpPr>
-        <p:spPr>
-          <a:xfrm>
-            <a:off x="0" y="6400800"/>
-            <a:ext cx="9144000" cy="274320"/>
-          </a:xfrm>
-          <a:prstGeom prst="rect">
-            <a:avLst/>
-          </a:prstGeom>
-          <a:solidFill>
-            <a:srgbClr val="FFDF00"/>
-          </a:solidFill>
-          <a:ln>
-            <a:solidFill>
-              <a:srgbClr val="003366"/>
-            </a:solidFill>
-          </a:ln>
-        </p:spPr>
-        <p:style>
-          <a:lnRef idx="1">
-            <a:schemeClr val="accent1"/>
-          </a:lnRef>
-          <a:fillRef idx="3">
-            <a:schemeClr val="accent1"/>
-          </a:fillRef>
-          <a:effectRef idx="2">
-            <a:schemeClr val="accent1"/>
-          </a:effectRef>
-          <a:fontRef idx="minor">
-            <a:schemeClr val="lt1"/>
-          </a:fontRef>
-        </p:style>
-        <p:txBody>
-          <a:bodyPr rtlCol="0" anchor="ctr"/>
-          <a:lstStyle/>
-          <a:p>
-            <a:pPr algn="ctr"/>
-            <a:endParaRPr/>
-          </a:p>
-        </p:txBody>
-      </p:sp>
-      <p:pic>
-        <p:nvPicPr>
-          <p:cNvPr id="16" name="Picture 15">
-            <a:extLst>
-              <a:ext uri="{FF2B5EF4-FFF2-40B4-BE49-F238E27FC236}">
-                <a16:creationId xmlns:a16="http://schemas.microsoft.com/office/drawing/2014/main" id="{7F60F4C3-396F-B25C-F396-6BCFA5EA7842}"/>
-              </a:ext>
-            </a:extLst>
-          </p:cNvPr>
-          <p:cNvPicPr>
-            <a:picLocks noChangeAspect="1"/>
-          </p:cNvPicPr>
-          <p:nvPr/>
-        </p:nvPicPr>
-        <p:blipFill>
-          <a:blip r:embed="rId2"/>
-          <a:stretch>
-            <a:fillRect/>
-          </a:stretch>
-        </p:blipFill>
-        <p:spPr>
-          <a:xfrm>
-            <a:off x="457200" y="1371600"/>
-            <a:ext cx="5561937" cy="4114800"/>
-          </a:xfrm>
-          <a:prstGeom prst="rect">
-            <a:avLst/>
-          </a:prstGeom>
-        </p:spPr>
-      </p:pic>
-    </p:spTree>
-    <p:extLst>
-      <p:ext uri="{BB962C8B-B14F-4D97-AF65-F5344CB8AC3E}">
-        <p14:creationId xmlns:p14="http://schemas.microsoft.com/office/powerpoint/2010/main" val="2790171384"/>
-      </p:ext>
-    </p:extLst>
-  </p:cSld>
-  <p:clrMapOvr>
-    <a:masterClrMapping/>
-  </p:clrMapOvr>
-</p:sld>
-</file>
-
-<file path=ppt/slides/slide24.xml><?xml version="1.0" encoding="utf-8"?>
-<p:sld xmlns:a="http://schemas.openxmlformats.org/drawingml/2006/main" xmlns:r="http://schemas.openxmlformats.org/officeDocument/2006/relationships" xmlns:p="http://schemas.openxmlformats.org/presentationml/2006/main">
-  <p:cSld>
-    <p:bg>
-      <p:bgPr>
-        <a:gradFill rotWithShape="1">
-          <a:gsLst>
-            <a:gs pos="0">
-              <a:srgbClr val="003366"/>
-            </a:gs>
-            <a:gs pos="100000">
-              <a:srgbClr val="0099FF"/>
-            </a:gs>
-          </a:gsLst>
-          <a:lin scaled="0"/>
-        </a:gradFill>
-        <a:effectLst/>
-      </p:bgPr>
-    </p:bg>
-    <p:spTree>
-      <p:nvGrpSpPr>
-        <p:cNvPr id="1" name="">
-          <a:extLst>
-            <a:ext uri="{FF2B5EF4-FFF2-40B4-BE49-F238E27FC236}">
-              <a16:creationId xmlns:a16="http://schemas.microsoft.com/office/drawing/2014/main" id="{4752C2FD-976B-AB76-FF2B-E70923342D76}"/>
-            </a:ext>
-          </a:extLst>
-        </p:cNvPr>
-        <p:cNvGrpSpPr/>
-        <p:nvPr/>
-      </p:nvGrpSpPr>
-      <p:grpSpPr>
-        <a:xfrm>
-          <a:off x="0" y="0"/>
-          <a:ext cx="0" cy="0"/>
-          <a:chOff x="0" y="0"/>
-          <a:chExt cx="0" cy="0"/>
-        </a:xfrm>
-      </p:grpSpPr>
-      <p:sp>
-        <p:nvSpPr>
-          <p:cNvPr id="2" name="Title 1">
-            <a:extLst>
-              <a:ext uri="{FF2B5EF4-FFF2-40B4-BE49-F238E27FC236}">
-                <a16:creationId xmlns:a16="http://schemas.microsoft.com/office/drawing/2014/main" id="{DB0BB284-32E7-8ACC-EAEE-F2FE599109E0}"/>
-              </a:ext>
-            </a:extLst>
-          </p:cNvPr>
-          <p:cNvSpPr>
-            <a:spLocks noGrp="1"/>
-          </p:cNvSpPr>
-          <p:nvPr>
-            <p:ph type="title"/>
-          </p:nvPr>
-        </p:nvSpPr>
-        <p:spPr/>
-        <p:txBody>
-          <a:bodyPr/>
-          <a:lstStyle/>
-          <a:p>
-            <a:r>
-              <a:rPr lang="en-IN" b="1" dirty="0"/>
-              <a:t>Conclusion</a:t>
-            </a:r>
-          </a:p>
-        </p:txBody>
-      </p:sp>
-      <p:sp>
-        <p:nvSpPr>
-          <p:cNvPr id="3" name="Rectangle 2">
-            <a:extLst>
-              <a:ext uri="{FF2B5EF4-FFF2-40B4-BE49-F238E27FC236}">
-                <a16:creationId xmlns:a16="http://schemas.microsoft.com/office/drawing/2014/main" id="{E3D5F7EE-7F73-4238-C46E-45D205776AE8}"/>
-              </a:ext>
-            </a:extLst>
-          </p:cNvPr>
-          <p:cNvSpPr/>
-          <p:nvPr/>
-        </p:nvSpPr>
-        <p:spPr>
-          <a:xfrm>
-            <a:off x="457200" y="1140542"/>
-            <a:ext cx="8229600" cy="5102942"/>
-          </a:xfrm>
-          <a:prstGeom prst="rect">
-            <a:avLst/>
-          </a:prstGeom>
-          <a:solidFill>
-            <a:srgbClr val="FFFFFF"/>
-          </a:solidFill>
-        </p:spPr>
-        <p:style>
-          <a:lnRef idx="1">
-            <a:schemeClr val="accent1"/>
-          </a:lnRef>
-          <a:fillRef idx="3">
-            <a:schemeClr val="accent1"/>
-          </a:fillRef>
-          <a:effectRef idx="2">
-            <a:schemeClr val="accent1"/>
-          </a:effectRef>
-          <a:fontRef idx="minor">
-            <a:schemeClr val="lt1"/>
-          </a:fontRef>
-        </p:style>
-        <p:txBody>
-          <a:bodyPr rtlCol="0" anchor="ctr"/>
-          <a:lstStyle/>
-          <a:p>
-            <a:pPr algn="ctr"/>
-            <a:endParaRPr dirty="0"/>
-          </a:p>
-        </p:txBody>
-      </p:sp>
-      <p:sp>
-        <p:nvSpPr>
-          <p:cNvPr id="5" name="TextBox 4">
-            <a:extLst>
-              <a:ext uri="{FF2B5EF4-FFF2-40B4-BE49-F238E27FC236}">
-                <a16:creationId xmlns:a16="http://schemas.microsoft.com/office/drawing/2014/main" id="{6C021D29-C20E-C6B5-6DC7-69BC58A7E4D5}"/>
-              </a:ext>
-            </a:extLst>
-          </p:cNvPr>
-          <p:cNvSpPr txBox="1"/>
-          <p:nvPr/>
-        </p:nvSpPr>
-        <p:spPr>
-          <a:xfrm>
-            <a:off x="457200" y="6400800"/>
-            <a:ext cx="8229600" cy="274320"/>
-          </a:xfrm>
-          <a:prstGeom prst="rect">
-            <a:avLst/>
-          </a:prstGeom>
-          <a:noFill/>
-        </p:spPr>
-        <p:txBody>
-          <a:bodyPr wrap="none">
-            <a:spAutoFit/>
-          </a:bodyPr>
-          <a:lstStyle/>
-          <a:p>
-            <a:pPr algn="ctr">
-              <a:defRPr sz="1400">
-                <a:solidFill>
-                  <a:srgbClr val="FFDF00"/>
-                </a:solidFill>
-              </a:defRPr>
-            </a:pPr>
-            <a:r>
-              <a:t>Visvesvaraya National Institute of Technology (VNIT), Nagpur</a:t>
-            </a:r>
-          </a:p>
-        </p:txBody>
-      </p:sp>
-      <p:sp>
-        <p:nvSpPr>
-          <p:cNvPr id="6" name="Rectangle 5">
-            <a:extLst>
-              <a:ext uri="{FF2B5EF4-FFF2-40B4-BE49-F238E27FC236}">
-                <a16:creationId xmlns:a16="http://schemas.microsoft.com/office/drawing/2014/main" id="{FA0CDB87-0632-C817-7B41-9093A8A3F652}"/>
-              </a:ext>
-            </a:extLst>
-          </p:cNvPr>
-          <p:cNvSpPr/>
-          <p:nvPr/>
-        </p:nvSpPr>
-        <p:spPr>
-          <a:xfrm>
-            <a:off x="0" y="0"/>
-            <a:ext cx="9144000" cy="457200"/>
-          </a:xfrm>
-          <a:prstGeom prst="rect">
-            <a:avLst/>
-          </a:prstGeom>
-          <a:solidFill>
-            <a:srgbClr val="003366"/>
-          </a:solidFill>
-          <a:ln>
-            <a:solidFill>
-              <a:srgbClr val="FFDF00"/>
-            </a:solidFill>
-          </a:ln>
-        </p:spPr>
-        <p:style>
-          <a:lnRef idx="1">
-            <a:schemeClr val="accent1"/>
-          </a:lnRef>
-          <a:fillRef idx="3">
-            <a:schemeClr val="accent1"/>
-          </a:fillRef>
-          <a:effectRef idx="2">
-            <a:schemeClr val="accent1"/>
-          </a:effectRef>
-          <a:fontRef idx="minor">
-            <a:schemeClr val="lt1"/>
-          </a:fontRef>
-        </p:style>
-        <p:txBody>
-          <a:bodyPr rtlCol="0" anchor="ctr"/>
-          <a:lstStyle/>
-          <a:p>
-            <a:pPr algn="ctr"/>
-            <a:endParaRPr/>
-          </a:p>
-        </p:txBody>
-      </p:sp>
-      <p:sp>
-        <p:nvSpPr>
-          <p:cNvPr id="7" name="TextBox 6">
-            <a:extLst>
-              <a:ext uri="{FF2B5EF4-FFF2-40B4-BE49-F238E27FC236}">
-                <a16:creationId xmlns:a16="http://schemas.microsoft.com/office/drawing/2014/main" id="{D187B3AA-959D-61D3-4F18-5BE8D9849C57}"/>
-              </a:ext>
-            </a:extLst>
-          </p:cNvPr>
-          <p:cNvSpPr txBox="1"/>
-          <p:nvPr/>
-        </p:nvSpPr>
-        <p:spPr>
-          <a:xfrm>
-            <a:off x="0" y="0"/>
-            <a:ext cx="9144000" cy="457200"/>
-          </a:xfrm>
-          <a:prstGeom prst="rect">
-            <a:avLst/>
-          </a:prstGeom>
-          <a:noFill/>
-        </p:spPr>
-        <p:txBody>
-          <a:bodyPr wrap="none">
-            <a:spAutoFit/>
-          </a:bodyPr>
-          <a:lstStyle/>
-          <a:p>
-            <a:pPr algn="ctr">
-              <a:defRPr sz="1400">
-                <a:solidFill>
-                  <a:srgbClr val="FFFFFF"/>
-                </a:solidFill>
-              </a:defRPr>
-            </a:pPr>
-            <a:r>
-              <a:t>Visvesvaraya National Institute of Technology (VNIT), Nagpur</a:t>
-            </a:r>
-          </a:p>
-        </p:txBody>
-      </p:sp>
-      <p:sp>
-        <p:nvSpPr>
-          <p:cNvPr id="8" name="Rectangle 7">
-            <a:extLst>
-              <a:ext uri="{FF2B5EF4-FFF2-40B4-BE49-F238E27FC236}">
-                <a16:creationId xmlns:a16="http://schemas.microsoft.com/office/drawing/2014/main" id="{C89C817C-CF4B-51CA-DC19-9FC3989D0C7D}"/>
-              </a:ext>
-            </a:extLst>
-          </p:cNvPr>
-          <p:cNvSpPr/>
-          <p:nvPr/>
-        </p:nvSpPr>
-        <p:spPr>
-          <a:xfrm>
-            <a:off x="0" y="6400800"/>
-            <a:ext cx="9144000" cy="274320"/>
-          </a:xfrm>
-          <a:prstGeom prst="rect">
-            <a:avLst/>
-          </a:prstGeom>
-          <a:solidFill>
-            <a:srgbClr val="FFDF00"/>
-          </a:solidFill>
-          <a:ln>
-            <a:solidFill>
-              <a:srgbClr val="003366"/>
-            </a:solidFill>
-          </a:ln>
-        </p:spPr>
-        <p:style>
-          <a:lnRef idx="1">
-            <a:schemeClr val="accent1"/>
-          </a:lnRef>
-          <a:fillRef idx="3">
-            <a:schemeClr val="accent1"/>
-          </a:fillRef>
-          <a:effectRef idx="2">
-            <a:schemeClr val="accent1"/>
-          </a:effectRef>
-          <a:fontRef idx="minor">
-            <a:schemeClr val="lt1"/>
-          </a:fontRef>
-        </p:style>
-        <p:txBody>
-          <a:bodyPr rtlCol="0" anchor="ctr"/>
-          <a:lstStyle/>
-          <a:p>
-            <a:pPr algn="ctr"/>
-            <a:endParaRPr/>
-          </a:p>
-        </p:txBody>
-      </p:sp>
-      <p:sp>
-        <p:nvSpPr>
-          <p:cNvPr id="4" name="TextBox 3">
-            <a:extLst>
-              <a:ext uri="{FF2B5EF4-FFF2-40B4-BE49-F238E27FC236}">
-                <a16:creationId xmlns:a16="http://schemas.microsoft.com/office/drawing/2014/main" id="{C66F408C-C4A2-9B8C-805B-FA37FC70B806}"/>
-              </a:ext>
-            </a:extLst>
-          </p:cNvPr>
-          <p:cNvSpPr txBox="1"/>
-          <p:nvPr/>
-        </p:nvSpPr>
-        <p:spPr>
-          <a:xfrm>
-            <a:off x="513735" y="1140542"/>
-            <a:ext cx="8116529" cy="5909310"/>
-          </a:xfrm>
-          <a:prstGeom prst="rect">
-            <a:avLst/>
-          </a:prstGeom>
-          <a:noFill/>
-        </p:spPr>
-        <p:txBody>
-          <a:bodyPr wrap="square" rtlCol="0">
-            <a:spAutoFit/>
-          </a:bodyPr>
-          <a:lstStyle/>
-          <a:p>
-            <a:r>
-              <a:rPr lang="en-US" b="1" dirty="0"/>
-              <a:t>Results:</a:t>
-            </a:r>
-          </a:p>
-          <a:p>
-            <a:pPr marL="742950" lvl="1" indent="-285750">
-              <a:buFont typeface="Wingdings" panose="05000000000000000000" pitchFamily="2" charset="2"/>
-              <a:buChar char="ü"/>
-            </a:pPr>
-            <a:r>
-              <a:rPr lang="en-US" dirty="0"/>
-              <a:t>Individual signal regions from timing diagram extracted.</a:t>
-            </a:r>
-          </a:p>
-          <a:p>
-            <a:pPr marL="742950" lvl="1" indent="-285750">
-              <a:buFont typeface="Wingdings" panose="05000000000000000000" pitchFamily="2" charset="2"/>
-              <a:buChar char="ü"/>
-            </a:pPr>
-            <a:r>
-              <a:rPr lang="en-US" dirty="0"/>
-              <a:t>Successfully extracted signal names from timing diagram using OCR</a:t>
-            </a:r>
-          </a:p>
-          <a:p>
-            <a:pPr marL="742950" lvl="1" indent="-285750">
-              <a:buFont typeface="Wingdings" panose="05000000000000000000" pitchFamily="2" charset="2"/>
-              <a:buChar char="ü"/>
-            </a:pPr>
-            <a:r>
-              <a:rPr lang="en-US" dirty="0"/>
-              <a:t>Recorded the transitions of the signals</a:t>
-            </a:r>
-          </a:p>
-          <a:p>
-            <a:endParaRPr lang="en-US" dirty="0"/>
-          </a:p>
-          <a:p>
-            <a:r>
-              <a:rPr lang="en-US" b="1" dirty="0"/>
-              <a:t>Challenges Faced:</a:t>
-            </a:r>
-          </a:p>
-          <a:p>
-            <a:pPr marL="742950" lvl="1" indent="-285750">
-              <a:buFont typeface="Wingdings" panose="05000000000000000000" pitchFamily="2" charset="2"/>
-              <a:buChar char="q"/>
-            </a:pPr>
-            <a:r>
-              <a:rPr lang="en-US" dirty="0"/>
-              <a:t>OCR inaccuracies with noisy or unclear signal labels. </a:t>
-            </a:r>
-          </a:p>
-          <a:p>
-            <a:pPr marL="742950" lvl="1" indent="-285750">
-              <a:buFont typeface="Wingdings" panose="05000000000000000000" pitchFamily="2" charset="2"/>
-              <a:buChar char="q"/>
-            </a:pPr>
-            <a:r>
-              <a:rPr lang="en-IN" dirty="0"/>
-              <a:t>Handling noisy or incomplete timing diagram/waveform</a:t>
-            </a:r>
-            <a:endParaRPr lang="en-US" dirty="0"/>
-          </a:p>
-          <a:p>
-            <a:pPr marL="742950" lvl="1" indent="-285750">
-              <a:buFont typeface="Wingdings" panose="05000000000000000000" pitchFamily="2" charset="2"/>
-              <a:buChar char="q"/>
-            </a:pPr>
-            <a:r>
-              <a:rPr lang="en-US" dirty="0"/>
-              <a:t>Inaccurate pixel values in an image with some blanks.</a:t>
-            </a:r>
-          </a:p>
-          <a:p>
-            <a:pPr marL="742950" lvl="1" indent="-285750">
-              <a:buFont typeface="Wingdings" panose="05000000000000000000" pitchFamily="2" charset="2"/>
-              <a:buChar char="q"/>
-            </a:pPr>
-            <a:r>
-              <a:rPr lang="en-US" dirty="0"/>
-              <a:t>Scalability for timing diagrams with many signals.</a:t>
-            </a:r>
-          </a:p>
-          <a:p>
-            <a:pPr lvl="1"/>
-            <a:endParaRPr lang="en-US" dirty="0"/>
-          </a:p>
-          <a:p>
-            <a:r>
-              <a:rPr lang="en-US" b="1" dirty="0"/>
-              <a:t>Future Scope Of Work:</a:t>
-            </a:r>
-          </a:p>
-          <a:p>
-            <a:pPr marL="742950" lvl="1" indent="-285750">
-              <a:buFont typeface="Wingdings" panose="05000000000000000000" pitchFamily="2" charset="2"/>
-              <a:buChar char="v"/>
-            </a:pPr>
-            <a:r>
-              <a:rPr lang="en-US" dirty="0"/>
-              <a:t>Expand to more complex timing diagrams. </a:t>
-            </a:r>
-          </a:p>
-          <a:p>
-            <a:pPr marL="742950" lvl="1" indent="-285750">
-              <a:buFont typeface="Wingdings" panose="05000000000000000000" pitchFamily="2" charset="2"/>
-              <a:buChar char="v"/>
-            </a:pPr>
-            <a:r>
-              <a:rPr lang="en-US" dirty="0"/>
-              <a:t>Generating Assertions automatically </a:t>
-            </a:r>
-          </a:p>
-          <a:p>
-            <a:pPr marL="742950" lvl="1" indent="-285750">
-              <a:buFont typeface="Wingdings" panose="05000000000000000000" pitchFamily="2" charset="2"/>
-              <a:buChar char="v"/>
-            </a:pPr>
-            <a:r>
-              <a:rPr lang="en-IN" sz="1800" dirty="0">
-                <a:effectLst/>
-                <a:latin typeface="Calibri" panose="020F0502020204030204" pitchFamily="34" charset="0"/>
-              </a:rPr>
-              <a:t>Protocol specification(Natural language specification) doc to SVA conversion using LLM</a:t>
-            </a:r>
-          </a:p>
-          <a:p>
-            <a:pPr marL="742950" lvl="1" indent="-285750">
-              <a:buFont typeface="Wingdings" panose="05000000000000000000" pitchFamily="2" charset="2"/>
-              <a:buChar char="v"/>
-            </a:pPr>
-            <a:r>
-              <a:rPr lang="en-IN" sz="1800" dirty="0">
-                <a:effectLst/>
-                <a:latin typeface="Calibri" panose="020F0502020204030204" pitchFamily="34" charset="0"/>
-              </a:rPr>
-              <a:t>Extract constraints </a:t>
-            </a:r>
-            <a:endParaRPr lang="en-IN" dirty="0">
-              <a:latin typeface="Calibri" panose="020F0502020204030204" pitchFamily="34" charset="0"/>
-            </a:endParaRPr>
-          </a:p>
-          <a:p>
-            <a:pPr marL="742950" lvl="1" indent="-285750">
-              <a:buFont typeface="Wingdings" panose="05000000000000000000" pitchFamily="2" charset="2"/>
-              <a:buChar char="v"/>
-            </a:pPr>
-            <a:r>
-              <a:rPr lang="en-IN" sz="1800" dirty="0">
-                <a:effectLst/>
-                <a:latin typeface="Calibri" panose="020F0502020204030204" pitchFamily="34" charset="0"/>
-              </a:rPr>
-              <a:t>Extract timing relationships between signals from spec.</a:t>
-            </a:r>
-            <a:endParaRPr lang="en-US" dirty="0"/>
-          </a:p>
-          <a:p>
-            <a:endParaRPr lang="en-US" dirty="0"/>
-          </a:p>
-          <a:p>
-            <a:pPr marL="285750" indent="-285750">
-              <a:buFont typeface="Wingdings" panose="05000000000000000000" pitchFamily="2" charset="2"/>
-              <a:buChar char="Ø"/>
-            </a:pPr>
-            <a:endParaRPr lang="en-US" dirty="0"/>
-          </a:p>
-          <a:p>
-            <a:endParaRPr lang="en-US" dirty="0"/>
-          </a:p>
-        </p:txBody>
-      </p:sp>
-    </p:spTree>
-    <p:extLst>
-      <p:ext uri="{BB962C8B-B14F-4D97-AF65-F5344CB8AC3E}">
-        <p14:creationId xmlns:p14="http://schemas.microsoft.com/office/powerpoint/2010/main" val="2024188512"/>
-      </p:ext>
-    </p:extLst>
-  </p:cSld>
-  <p:clrMapOvr>
-    <a:masterClrMapping/>
-  </p:clrMapOvr>
-</p:sld>
-</file>
-
-<file path=ppt/slides/slide25.xml><?xml version="1.0" encoding="utf-8"?>
-<p:sld xmlns:a="http://schemas.openxmlformats.org/drawingml/2006/main" xmlns:r="http://schemas.openxmlformats.org/officeDocument/2006/relationships" xmlns:p="http://schemas.openxmlformats.org/presentationml/2006/main">
-  <p:cSld>
-    <p:bg>
-      <p:bgPr>
-        <a:gradFill rotWithShape="1">
-          <a:gsLst>
-            <a:gs pos="0">
-              <a:srgbClr val="003366"/>
-            </a:gs>
-            <a:gs pos="100000">
-              <a:srgbClr val="0099FF"/>
-            </a:gs>
-          </a:gsLst>
-          <a:lin scaled="0"/>
-        </a:gradFill>
-        <a:effectLst/>
-      </p:bgPr>
-    </p:bg>
-    <p:spTree>
-      <p:nvGrpSpPr>
-        <p:cNvPr id="1" name="">
-          <a:extLst>
-            <a:ext uri="{FF2B5EF4-FFF2-40B4-BE49-F238E27FC236}">
-              <a16:creationId xmlns:a16="http://schemas.microsoft.com/office/drawing/2014/main" id="{A1466078-ACDD-BAE6-438C-5238CAC80211}"/>
-            </a:ext>
-          </a:extLst>
-        </p:cNvPr>
-        <p:cNvGrpSpPr/>
-        <p:nvPr/>
-      </p:nvGrpSpPr>
-      <p:grpSpPr>
-        <a:xfrm>
-          <a:off x="0" y="0"/>
-          <a:ext cx="0" cy="0"/>
-          <a:chOff x="0" y="0"/>
-          <a:chExt cx="0" cy="0"/>
-        </a:xfrm>
-      </p:grpSpPr>
-      <p:sp>
-        <p:nvSpPr>
-          <p:cNvPr id="2" name="Title 1">
-            <a:extLst>
-              <a:ext uri="{FF2B5EF4-FFF2-40B4-BE49-F238E27FC236}">
-                <a16:creationId xmlns:a16="http://schemas.microsoft.com/office/drawing/2014/main" id="{BCE71A58-687C-29DE-F9A9-9D6CF6BCE865}"/>
-              </a:ext>
-            </a:extLst>
-          </p:cNvPr>
-          <p:cNvSpPr>
-            <a:spLocks noGrp="1"/>
-          </p:cNvSpPr>
-          <p:nvPr>
-            <p:ph type="title"/>
-          </p:nvPr>
-        </p:nvSpPr>
-        <p:spPr/>
-        <p:txBody>
-          <a:bodyPr/>
-          <a:lstStyle/>
-          <a:p>
-            <a:pPr>
-              <a:defRPr sz="3000">
-                <a:solidFill>
-                  <a:srgbClr val="FFDF00"/>
-                </a:solidFill>
-              </a:defRPr>
-            </a:pPr>
-            <a:r>
-              <a:rPr lang="en-IN" dirty="0"/>
-              <a:t>End</a:t>
-            </a:r>
-            <a:endParaRPr dirty="0"/>
-          </a:p>
-        </p:txBody>
-      </p:sp>
-      <p:sp>
-        <p:nvSpPr>
-          <p:cNvPr id="3" name="Rectangle 2">
-            <a:extLst>
-              <a:ext uri="{FF2B5EF4-FFF2-40B4-BE49-F238E27FC236}">
-                <a16:creationId xmlns:a16="http://schemas.microsoft.com/office/drawing/2014/main" id="{3A7DDA95-D066-B834-498F-3DDD2EC1EEDE}"/>
-              </a:ext>
-            </a:extLst>
-          </p:cNvPr>
-          <p:cNvSpPr/>
-          <p:nvPr/>
-        </p:nvSpPr>
-        <p:spPr>
-          <a:xfrm>
-            <a:off x="457200" y="1371600"/>
-            <a:ext cx="8229600" cy="4114800"/>
-          </a:xfrm>
-          <a:prstGeom prst="rect">
-            <a:avLst/>
-          </a:prstGeom>
-          <a:solidFill>
-            <a:srgbClr val="FFFFFF"/>
-          </a:solidFill>
-        </p:spPr>
-        <p:style>
-          <a:lnRef idx="1">
-            <a:schemeClr val="accent1"/>
-          </a:lnRef>
-          <a:fillRef idx="3">
-            <a:schemeClr val="accent1"/>
-          </a:fillRef>
-          <a:effectRef idx="2">
-            <a:schemeClr val="accent1"/>
-          </a:effectRef>
-          <a:fontRef idx="minor">
-            <a:schemeClr val="lt1"/>
-          </a:fontRef>
-        </p:style>
-        <p:txBody>
-          <a:bodyPr rtlCol="0" anchor="ctr"/>
-          <a:lstStyle/>
-          <a:p>
-            <a:pPr algn="ctr"/>
-            <a:endParaRPr/>
-          </a:p>
-        </p:txBody>
-      </p:sp>
-      <p:sp>
-        <p:nvSpPr>
-          <p:cNvPr id="5" name="TextBox 4">
-            <a:extLst>
-              <a:ext uri="{FF2B5EF4-FFF2-40B4-BE49-F238E27FC236}">
-                <a16:creationId xmlns:a16="http://schemas.microsoft.com/office/drawing/2014/main" id="{109EF554-EE9B-A7DF-0CCE-AF7E6823607C}"/>
-              </a:ext>
-            </a:extLst>
-          </p:cNvPr>
-          <p:cNvSpPr txBox="1"/>
-          <p:nvPr/>
-        </p:nvSpPr>
-        <p:spPr>
-          <a:xfrm>
-            <a:off x="457200" y="6400800"/>
-            <a:ext cx="8229600" cy="274320"/>
-          </a:xfrm>
-          <a:prstGeom prst="rect">
-            <a:avLst/>
-          </a:prstGeom>
-          <a:noFill/>
-        </p:spPr>
-        <p:txBody>
-          <a:bodyPr wrap="none">
-            <a:spAutoFit/>
-          </a:bodyPr>
-          <a:lstStyle/>
-          <a:p>
-            <a:pPr algn="ctr">
-              <a:defRPr sz="1400">
-                <a:solidFill>
-                  <a:srgbClr val="FFDF00"/>
-                </a:solidFill>
-              </a:defRPr>
-            </a:pPr>
-            <a:r>
-              <a:t>Visvesvaraya National Institute of Technology (VNIT), Nagpur</a:t>
-            </a:r>
-          </a:p>
-        </p:txBody>
-      </p:sp>
-      <p:sp>
-        <p:nvSpPr>
-          <p:cNvPr id="6" name="Rectangle 5">
-            <a:extLst>
-              <a:ext uri="{FF2B5EF4-FFF2-40B4-BE49-F238E27FC236}">
-                <a16:creationId xmlns:a16="http://schemas.microsoft.com/office/drawing/2014/main" id="{691C416E-1F14-787D-EB92-2CCE330E3AD4}"/>
-              </a:ext>
-            </a:extLst>
-          </p:cNvPr>
-          <p:cNvSpPr/>
-          <p:nvPr/>
-        </p:nvSpPr>
-        <p:spPr>
-          <a:xfrm>
-            <a:off x="0" y="0"/>
-            <a:ext cx="9144000" cy="457200"/>
-          </a:xfrm>
-          <a:prstGeom prst="rect">
-            <a:avLst/>
-          </a:prstGeom>
-          <a:solidFill>
-            <a:srgbClr val="003366"/>
-          </a:solidFill>
-          <a:ln>
-            <a:solidFill>
-              <a:srgbClr val="FFDF00"/>
-            </a:solidFill>
-          </a:ln>
-        </p:spPr>
-        <p:style>
-          <a:lnRef idx="1">
-            <a:schemeClr val="accent1"/>
-          </a:lnRef>
-          <a:fillRef idx="3">
-            <a:schemeClr val="accent1"/>
-          </a:fillRef>
-          <a:effectRef idx="2">
-            <a:schemeClr val="accent1"/>
-          </a:effectRef>
-          <a:fontRef idx="minor">
-            <a:schemeClr val="lt1"/>
-          </a:fontRef>
-        </p:style>
-        <p:txBody>
-          <a:bodyPr rtlCol="0" anchor="ctr"/>
-          <a:lstStyle/>
-          <a:p>
-            <a:pPr algn="ctr"/>
-            <a:endParaRPr/>
-          </a:p>
-        </p:txBody>
-      </p:sp>
-      <p:sp>
-        <p:nvSpPr>
-          <p:cNvPr id="7" name="TextBox 6">
-            <a:extLst>
-              <a:ext uri="{FF2B5EF4-FFF2-40B4-BE49-F238E27FC236}">
-                <a16:creationId xmlns:a16="http://schemas.microsoft.com/office/drawing/2014/main" id="{D4659E66-8041-B23E-F318-5293F11833B6}"/>
-              </a:ext>
-            </a:extLst>
-          </p:cNvPr>
-          <p:cNvSpPr txBox="1"/>
-          <p:nvPr/>
-        </p:nvSpPr>
-        <p:spPr>
-          <a:xfrm>
-            <a:off x="0" y="0"/>
-            <a:ext cx="9144000" cy="457200"/>
-          </a:xfrm>
-          <a:prstGeom prst="rect">
-            <a:avLst/>
-          </a:prstGeom>
-          <a:noFill/>
-        </p:spPr>
-        <p:txBody>
-          <a:bodyPr wrap="none">
-            <a:spAutoFit/>
-          </a:bodyPr>
-          <a:lstStyle/>
-          <a:p>
-            <a:pPr algn="ctr">
-              <a:defRPr sz="1400">
-                <a:solidFill>
-                  <a:srgbClr val="FFFFFF"/>
-                </a:solidFill>
-              </a:defRPr>
-            </a:pPr>
-            <a:r>
-              <a:t>Visvesvaraya National Institute of Technology (VNIT), Nagpur</a:t>
-            </a:r>
-          </a:p>
-        </p:txBody>
-      </p:sp>
-      <p:sp>
-        <p:nvSpPr>
-          <p:cNvPr id="8" name="Rectangle 7">
-            <a:extLst>
-              <a:ext uri="{FF2B5EF4-FFF2-40B4-BE49-F238E27FC236}">
-                <a16:creationId xmlns:a16="http://schemas.microsoft.com/office/drawing/2014/main" id="{8FC7DEBF-D13C-78A6-EE23-7DA66186E06E}"/>
-              </a:ext>
-            </a:extLst>
-          </p:cNvPr>
-          <p:cNvSpPr/>
-          <p:nvPr/>
-        </p:nvSpPr>
-        <p:spPr>
-          <a:xfrm>
-            <a:off x="0" y="6400800"/>
-            <a:ext cx="9144000" cy="274320"/>
-          </a:xfrm>
-          <a:prstGeom prst="rect">
-            <a:avLst/>
-          </a:prstGeom>
-          <a:solidFill>
-            <a:srgbClr val="FFDF00"/>
-          </a:solidFill>
-          <a:ln>
-            <a:solidFill>
-              <a:srgbClr val="003366"/>
-            </a:solidFill>
-          </a:ln>
-        </p:spPr>
-        <p:style>
-          <a:lnRef idx="1">
-            <a:schemeClr val="accent1"/>
-          </a:lnRef>
-          <a:fillRef idx="3">
-            <a:schemeClr val="accent1"/>
-          </a:fillRef>
-          <a:effectRef idx="2">
-            <a:schemeClr val="accent1"/>
-          </a:effectRef>
-          <a:fontRef idx="minor">
-            <a:schemeClr val="lt1"/>
-          </a:fontRef>
-        </p:style>
-        <p:txBody>
-          <a:bodyPr rtlCol="0" anchor="ctr"/>
-          <a:lstStyle/>
-          <a:p>
-            <a:pPr algn="ctr"/>
-            <a:endParaRPr/>
-          </a:p>
-        </p:txBody>
-      </p:sp>
-      <p:sp>
-        <p:nvSpPr>
-          <p:cNvPr id="4" name="TextBox 3">
-            <a:extLst>
-              <a:ext uri="{FF2B5EF4-FFF2-40B4-BE49-F238E27FC236}">
-                <a16:creationId xmlns:a16="http://schemas.microsoft.com/office/drawing/2014/main" id="{2D5560C1-06DC-3162-A095-A31595C0599F}"/>
-              </a:ext>
-            </a:extLst>
-          </p:cNvPr>
-          <p:cNvSpPr txBox="1"/>
-          <p:nvPr/>
-        </p:nvSpPr>
-        <p:spPr>
-          <a:xfrm>
-            <a:off x="565355" y="2495385"/>
-            <a:ext cx="8229600" cy="1569660"/>
-          </a:xfrm>
-          <a:prstGeom prst="rect">
-            <a:avLst/>
-          </a:prstGeom>
-          <a:noFill/>
-        </p:spPr>
-        <p:txBody>
-          <a:bodyPr wrap="square" rtlCol="0">
-            <a:spAutoFit/>
-          </a:bodyPr>
-          <a:lstStyle/>
-          <a:p>
-            <a:pPr algn="ctr"/>
-            <a:r>
-              <a:rPr lang="en-US" sz="9600" dirty="0"/>
-              <a:t>Thank You</a:t>
-            </a:r>
-            <a:endParaRPr lang="en-IN" sz="9600" dirty="0"/>
-          </a:p>
-        </p:txBody>
-      </p:sp>
-    </p:spTree>
-    <p:extLst>
-      <p:ext uri="{BB962C8B-B14F-4D97-AF65-F5344CB8AC3E}">
-        <p14:creationId xmlns:p14="http://schemas.microsoft.com/office/powerpoint/2010/main" val="528587737"/>
-      </p:ext>
-    </p:extLst>
   </p:cSld>
   <p:clrMapOvr>
     <a:masterClrMapping/>
